--- a/RDFsim/presentation/RDFsim.pptx
+++ b/RDFsim/presentation/RDFsim.pptx
@@ -5,15 +5,14 @@
     <p:sldMasterId id="2147483648" r:id="rId1"/>
   </p:sldMasterIdLst>
   <p:notesMasterIdLst>
-    <p:notesMasterId r:id="rId8"/>
+    <p:notesMasterId r:id="rId7"/>
   </p:notesMasterIdLst>
   <p:sldIdLst>
     <p:sldId id="256" r:id="rId2"/>
-    <p:sldId id="257" r:id="rId3"/>
-    <p:sldId id="261" r:id="rId4"/>
-    <p:sldId id="258" r:id="rId5"/>
-    <p:sldId id="259" r:id="rId6"/>
-    <p:sldId id="260" r:id="rId7"/>
+    <p:sldId id="263" r:id="rId3"/>
+    <p:sldId id="262" r:id="rId4"/>
+    <p:sldId id="264" r:id="rId5"/>
+    <p:sldId id="265" r:id="rId6"/>
   </p:sldIdLst>
   <p:sldSz cx="12192000" cy="6858000"/>
   <p:notesSz cx="6858000" cy="9144000"/>
@@ -112,6 +111,11 @@
       </a:defRPr>
     </a:lvl9pPr>
   </p:defaultTextStyle>
+  <p:extLst>
+    <p:ext uri="{EFAFB233-063F-42B5-8137-9DF3F51BA10A}">
+      <p15:sldGuideLst xmlns:p15="http://schemas.microsoft.com/office/powerpoint/2012/main"/>
+    </p:ext>
+  </p:extLst>
 </p:presentation>
 </file>
 
@@ -465,6 +469,90 @@
 </p:notesMaster>
 </file>
 
+<file path=ppt/notesSlides/notesSlide1.xml><?xml version="1.0" encoding="utf-8"?>
+<p:notes xmlns:a="http://schemas.openxmlformats.org/drawingml/2006/main" xmlns:r="http://schemas.openxmlformats.org/officeDocument/2006/relationships" xmlns:p="http://schemas.openxmlformats.org/presentationml/2006/main">
+  <p:cSld>
+    <p:spTree>
+      <p:nvGrpSpPr>
+        <p:cNvPr id="1" name=""/>
+        <p:cNvGrpSpPr/>
+        <p:nvPr/>
+      </p:nvGrpSpPr>
+      <p:grpSpPr>
+        <a:xfrm>
+          <a:off x="0" y="0"/>
+          <a:ext cx="0" cy="0"/>
+          <a:chOff x="0" y="0"/>
+          <a:chExt cx="0" cy="0"/>
+        </a:xfrm>
+      </p:grpSpPr>
+      <p:sp>
+        <p:nvSpPr>
+          <p:cNvPr id="2" name="Slide Image Placeholder 1"/>
+          <p:cNvSpPr>
+            <a:spLocks noGrp="1" noRot="1" noChangeAspect="1"/>
+          </p:cNvSpPr>
+          <p:nvPr>
+            <p:ph type="sldImg"/>
+          </p:nvPr>
+        </p:nvSpPr>
+        <p:spPr/>
+      </p:sp>
+      <p:sp>
+        <p:nvSpPr>
+          <p:cNvPr id="3" name="Notes Placeholder 2"/>
+          <p:cNvSpPr>
+            <a:spLocks noGrp="1"/>
+          </p:cNvSpPr>
+          <p:nvPr>
+            <p:ph type="body" idx="1"/>
+          </p:nvPr>
+        </p:nvSpPr>
+        <p:spPr/>
+        <p:txBody>
+          <a:bodyPr/>
+          <a:lstStyle/>
+          <a:p>
+            <a:endParaRPr lang="en-US" dirty="0"/>
+          </a:p>
+        </p:txBody>
+      </p:sp>
+      <p:sp>
+        <p:nvSpPr>
+          <p:cNvPr id="4" name="Slide Number Placeholder 3"/>
+          <p:cNvSpPr>
+            <a:spLocks noGrp="1"/>
+          </p:cNvSpPr>
+          <p:nvPr>
+            <p:ph type="sldNum" sz="quarter" idx="10"/>
+          </p:nvPr>
+        </p:nvSpPr>
+        <p:spPr/>
+        <p:txBody>
+          <a:bodyPr/>
+          <a:lstStyle/>
+          <a:p>
+            <a:fld id="{9362E13B-561A-46D6-BAB1-4819B0D970EF}" type="slidenum">
+              <a:rPr lang="en-US" smtClean="0"/>
+              <a:t>2</a:t>
+            </a:fld>
+            <a:endParaRPr lang="en-US"/>
+          </a:p>
+        </p:txBody>
+      </p:sp>
+    </p:spTree>
+    <p:extLst>
+      <p:ext uri="{BB962C8B-B14F-4D97-AF65-F5344CB8AC3E}">
+        <p14:creationId xmlns:p14="http://schemas.microsoft.com/office/powerpoint/2010/main" val="2407311993"/>
+      </p:ext>
+    </p:extLst>
+  </p:cSld>
+  <p:clrMapOvr>
+    <a:masterClrMapping/>
+  </p:clrMapOvr>
+</p:notes>
+</file>
+
 <file path=ppt/slideLayouts/slideLayout1.xml><?xml version="1.0" encoding="utf-8"?>
 <p:sldLayout xmlns:a="http://schemas.openxmlformats.org/drawingml/2006/main" xmlns:r="http://schemas.openxmlformats.org/officeDocument/2006/relationships" xmlns:p="http://schemas.openxmlformats.org/presentationml/2006/main" type="title" preserve="1">
   <p:cSld name="Title Slide">
@@ -594,9 +682,9 @@
           <a:bodyPr/>
           <a:lstStyle/>
           <a:p>
-            <a:fld id="{603BE75B-25AA-463C-B880-DE564F3343AA}" type="datetime1">
-              <a:rPr lang="en-US" smtClean="0"/>
-              <a:t>7/26/2021</a:t>
+            <a:fld id="{1C6080FE-7380-48A4-8C3F-83147296BA13}" type="datetime1">
+              <a:rPr lang="en-US" smtClean="0"/>
+              <a:t>7/27/2021</a:t>
             </a:fld>
             <a:endParaRPr lang="en-US"/>
           </a:p>
@@ -768,9 +856,9 @@
           <a:bodyPr/>
           <a:lstStyle/>
           <a:p>
-            <a:fld id="{40329B00-A7EB-471A-9811-2D8539B30AD9}" type="datetime1">
-              <a:rPr lang="en-US" smtClean="0"/>
-              <a:t>7/26/2021</a:t>
+            <a:fld id="{DBF3604D-7996-40ED-84F5-459D061E5CD5}" type="datetime1">
+              <a:rPr lang="en-US" smtClean="0"/>
+              <a:t>7/27/2021</a:t>
             </a:fld>
             <a:endParaRPr lang="en-US"/>
           </a:p>
@@ -952,9 +1040,9 @@
           <a:bodyPr/>
           <a:lstStyle/>
           <a:p>
-            <a:fld id="{0067BF29-285C-44AC-A1EB-B8B517ADE859}" type="datetime1">
-              <a:rPr lang="en-US" smtClean="0"/>
-              <a:t>7/26/2021</a:t>
+            <a:fld id="{5DD1C1B8-03F9-496A-85C9-5F10E65252CA}" type="datetime1">
+              <a:rPr lang="en-US" smtClean="0"/>
+              <a:t>7/27/2021</a:t>
             </a:fld>
             <a:endParaRPr lang="en-US"/>
           </a:p>
@@ -1126,9 +1214,9 @@
           <a:bodyPr/>
           <a:lstStyle/>
           <a:p>
-            <a:fld id="{3E79A7F1-36AA-4FB1-BF1F-A9E9A5D60BC2}" type="datetime1">
-              <a:rPr lang="en-US" smtClean="0"/>
-              <a:t>7/26/2021</a:t>
+            <a:fld id="{F047EB9B-DD16-4A05-B1A8-B328BC935E37}" type="datetime1">
+              <a:rPr lang="en-US" smtClean="0"/>
+              <a:t>7/27/2021</a:t>
             </a:fld>
             <a:endParaRPr lang="en-US"/>
           </a:p>
@@ -1376,9 +1464,9 @@
           <a:bodyPr/>
           <a:lstStyle/>
           <a:p>
-            <a:fld id="{70BF1336-7D29-4096-8810-38C9D31373B2}" type="datetime1">
-              <a:rPr lang="en-US" smtClean="0"/>
-              <a:t>7/26/2021</a:t>
+            <a:fld id="{F9BD4836-4552-441C-A9E6-1AAAD13172E5}" type="datetime1">
+              <a:rPr lang="en-US" smtClean="0"/>
+              <a:t>7/27/2021</a:t>
             </a:fld>
             <a:endParaRPr lang="en-US"/>
           </a:p>
@@ -1612,9 +1700,9 @@
           <a:bodyPr/>
           <a:lstStyle/>
           <a:p>
-            <a:fld id="{277A9AC0-1407-4338-AD5E-37707EF1079D}" type="datetime1">
-              <a:rPr lang="en-US" smtClean="0"/>
-              <a:t>7/26/2021</a:t>
+            <a:fld id="{1D9C296A-91B7-4712-B96A-802791AE49A5}" type="datetime1">
+              <a:rPr lang="en-US" smtClean="0"/>
+              <a:t>7/27/2021</a:t>
             </a:fld>
             <a:endParaRPr lang="en-US"/>
           </a:p>
@@ -1983,9 +2071,9 @@
           <a:bodyPr/>
           <a:lstStyle/>
           <a:p>
-            <a:fld id="{DB095053-1E71-41FC-A2C7-E943BBAEFC17}" type="datetime1">
-              <a:rPr lang="en-US" smtClean="0"/>
-              <a:t>7/26/2021</a:t>
+            <a:fld id="{6195517D-FF13-4C0E-8BA4-33C201CF2431}" type="datetime1">
+              <a:rPr lang="en-US" smtClean="0"/>
+              <a:t>7/27/2021</a:t>
             </a:fld>
             <a:endParaRPr lang="en-US"/>
           </a:p>
@@ -2105,9 +2193,9 @@
           <a:bodyPr/>
           <a:lstStyle/>
           <a:p>
-            <a:fld id="{1786E0CB-0069-4890-9013-236A8D5301D5}" type="datetime1">
-              <a:rPr lang="en-US" smtClean="0"/>
-              <a:t>7/26/2021</a:t>
+            <a:fld id="{B016B94F-C79D-426C-95B9-50F3F54E01D5}" type="datetime1">
+              <a:rPr lang="en-US" smtClean="0"/>
+              <a:t>7/27/2021</a:t>
             </a:fld>
             <a:endParaRPr lang="en-US"/>
           </a:p>
@@ -2204,9 +2292,9 @@
           <a:bodyPr/>
           <a:lstStyle/>
           <a:p>
-            <a:fld id="{E7E36AAA-5DAE-438F-9FA0-B5AAA12315A7}" type="datetime1">
-              <a:rPr lang="en-US" smtClean="0"/>
-              <a:t>7/26/2021</a:t>
+            <a:fld id="{0D1C88C9-B7DE-482C-8AB1-7B07C9D29459}" type="datetime1">
+              <a:rPr lang="en-US" smtClean="0"/>
+              <a:t>7/27/2021</a:t>
             </a:fld>
             <a:endParaRPr lang="en-US"/>
           </a:p>
@@ -2485,9 +2573,9 @@
           <a:bodyPr/>
           <a:lstStyle/>
           <a:p>
-            <a:fld id="{F19AE98C-B23C-4CD6-AED4-A2BC24BCC5F1}" type="datetime1">
-              <a:rPr lang="en-US" smtClean="0"/>
-              <a:t>7/26/2021</a:t>
+            <a:fld id="{BB0980A5-17BD-4AE4-9833-43A080896082}" type="datetime1">
+              <a:rPr lang="en-US" smtClean="0"/>
+              <a:t>7/27/2021</a:t>
             </a:fld>
             <a:endParaRPr lang="en-US"/>
           </a:p>
@@ -2742,9 +2830,9 @@
           <a:bodyPr/>
           <a:lstStyle/>
           <a:p>
-            <a:fld id="{E92D0072-6864-4506-BEA7-F348BD99B6D2}" type="datetime1">
-              <a:rPr lang="en-US" smtClean="0"/>
-              <a:t>7/26/2021</a:t>
+            <a:fld id="{879F52D8-A16E-472B-ADDF-586C5F5EB3A2}" type="datetime1">
+              <a:rPr lang="en-US" smtClean="0"/>
+              <a:t>7/27/2021</a:t>
             </a:fld>
             <a:endParaRPr lang="en-US"/>
           </a:p>
@@ -2959,9 +3047,9 @@
             </a:lvl1pPr>
           </a:lstStyle>
           <a:p>
-            <a:fld id="{995D0E01-7085-4760-81AA-6CF7A874B154}" type="datetime1">
-              <a:rPr lang="en-US" smtClean="0"/>
-              <a:t>7/26/2021</a:t>
+            <a:fld id="{C8C85A63-CD5C-4DC8-8108-5D9C5D556BE8}" type="datetime1">
+              <a:rPr lang="en-US" smtClean="0"/>
+              <a:t>7/27/2021</a:t>
             </a:fld>
             <a:endParaRPr lang="en-US"/>
           </a:p>
@@ -3070,7 +3158,7 @@
     <p:sldLayoutId id="2147483658" r:id="rId10"/>
     <p:sldLayoutId id="2147483659" r:id="rId11"/>
   </p:sldLayoutIdLst>
-  <p:hf hdr="0" dt="0"/>
+  <p:hf sldNum="0" hdr="0" ftr="0" dt="0"/>
   <p:txStyles>
     <p:titleStyle>
       <a:lvl1pPr algn="l" defTabSz="914400" rtl="0" eaLnBrk="1" latinLnBrk="0" hangingPunct="1">
@@ -3393,8 +3481,8 @@
         </p:nvSpPr>
         <p:spPr>
           <a:xfrm>
-            <a:off x="1523999" y="4797792"/>
-            <a:ext cx="9144000" cy="1220054"/>
+            <a:off x="-2" y="6479929"/>
+            <a:ext cx="12191999" cy="378071"/>
           </a:xfrm>
         </p:spPr>
         <p:txBody>
@@ -3405,16 +3493,11 @@
           <a:p>
             <a:r>
               <a:rPr lang="en-US" dirty="0" smtClean="0"/>
-              <a:t>Similarity Browsing tool for RDF databases.</a:t>
-            </a:r>
-          </a:p>
-          <a:p>
-            <a:endParaRPr lang="en-US" dirty="0"/>
-          </a:p>
-          <a:p>
+              <a:t>Manos </a:t>
+            </a:r>
             <a:r>
               <a:rPr lang="en-US" dirty="0" smtClean="0"/>
-              <a:t>Manos Chatzakis (chatzakis@ics.forth.gr)</a:t>
+              <a:t>Chatzakis (chatzakis@ics.forth.gr)</a:t>
             </a:r>
             <a:endParaRPr lang="en-US" dirty="0"/>
           </a:p>
@@ -3442,8 +3525,8 @@
         </p:blipFill>
         <p:spPr>
           <a:xfrm>
-            <a:off x="3097410" y="976069"/>
-            <a:ext cx="5997179" cy="2704978"/>
+            <a:off x="2996694" y="976068"/>
+            <a:ext cx="6198608" cy="2795831"/>
           </a:xfrm>
           <a:prstGeom prst="rect">
             <a:avLst/>
@@ -3452,47 +3535,195 @@
       </p:pic>
       <p:sp>
         <p:nvSpPr>
-          <p:cNvPr id="5" name="Footer Placeholder 4"/>
-          <p:cNvSpPr>
-            <a:spLocks noGrp="1"/>
-          </p:cNvSpPr>
-          <p:nvPr>
-            <p:ph type="ftr" sz="quarter" idx="11"/>
-          </p:nvPr>
-        </p:nvSpPr>
-        <p:spPr/>
-        <p:txBody>
-          <a:bodyPr/>
-          <a:lstStyle/>
-          <a:p>
-            <a:r>
-              <a:rPr lang="en-US" smtClean="0"/>
-              <a:t>© Copyright 2020 FOUNDATION FOR RESEARCH &amp; TECHNOLOGY - HELLAS, All rights reserved</a:t>
-            </a:r>
-            <a:endParaRPr lang="en-US"/>
-          </a:p>
-        </p:txBody>
-      </p:sp>
-      <p:sp>
-        <p:nvSpPr>
-          <p:cNvPr id="6" name="Slide Number Placeholder 5"/>
-          <p:cNvSpPr>
-            <a:spLocks noGrp="1"/>
-          </p:cNvSpPr>
-          <p:nvPr>
-            <p:ph type="sldNum" sz="quarter" idx="12"/>
-          </p:nvPr>
-        </p:nvSpPr>
-        <p:spPr/>
-        <p:txBody>
-          <a:bodyPr/>
-          <a:lstStyle/>
-          <a:p>
-            <a:fld id="{784F2D9E-80D2-41DD-932E-4D090CAEEB74}" type="slidenum">
-              <a:rPr lang="en-US" smtClean="0"/>
-              <a:t>1</a:t>
-            </a:fld>
-            <a:endParaRPr lang="en-US"/>
+          <p:cNvPr id="7" name="Subtitle 2"/>
+          <p:cNvSpPr txBox="1">
+            <a:spLocks/>
+          </p:cNvSpPr>
+          <p:nvPr/>
+        </p:nvSpPr>
+        <p:spPr>
+          <a:xfrm>
+            <a:off x="1" y="3950676"/>
+            <a:ext cx="12191999" cy="378071"/>
+          </a:xfrm>
+          <a:prstGeom prst="rect">
+            <a:avLst/>
+          </a:prstGeom>
+        </p:spPr>
+        <p:txBody>
+          <a:bodyPr vert="horz" lIns="91440" tIns="45720" rIns="91440" bIns="45720" rtlCol="0">
+            <a:normAutofit fontScale="92500" lnSpcReduction="10000"/>
+          </a:bodyPr>
+          <a:lstStyle>
+            <a:lvl1pPr marL="0" indent="0" algn="ctr" defTabSz="914400" rtl="0" eaLnBrk="1" latinLnBrk="0" hangingPunct="1">
+              <a:lnSpc>
+                <a:spcPct val="90000"/>
+              </a:lnSpc>
+              <a:spcBef>
+                <a:spcPts val="1000"/>
+              </a:spcBef>
+              <a:buFont typeface="Arial" panose="020B0604020202020204" pitchFamily="34" charset="0"/>
+              <a:buNone/>
+              <a:defRPr sz="2400" kern="1200">
+                <a:solidFill>
+                  <a:schemeClr val="tx1"/>
+                </a:solidFill>
+                <a:latin typeface="+mn-lt"/>
+                <a:ea typeface="+mn-ea"/>
+                <a:cs typeface="+mn-cs"/>
+              </a:defRPr>
+            </a:lvl1pPr>
+            <a:lvl2pPr marL="457200" indent="0" algn="ctr" defTabSz="914400" rtl="0" eaLnBrk="1" latinLnBrk="0" hangingPunct="1">
+              <a:lnSpc>
+                <a:spcPct val="90000"/>
+              </a:lnSpc>
+              <a:spcBef>
+                <a:spcPts val="500"/>
+              </a:spcBef>
+              <a:buFont typeface="Arial" panose="020B0604020202020204" pitchFamily="34" charset="0"/>
+              <a:buNone/>
+              <a:defRPr sz="2000" kern="1200">
+                <a:solidFill>
+                  <a:schemeClr val="tx1"/>
+                </a:solidFill>
+                <a:latin typeface="+mn-lt"/>
+                <a:ea typeface="+mn-ea"/>
+                <a:cs typeface="+mn-cs"/>
+              </a:defRPr>
+            </a:lvl2pPr>
+            <a:lvl3pPr marL="914400" indent="0" algn="ctr" defTabSz="914400" rtl="0" eaLnBrk="1" latinLnBrk="0" hangingPunct="1">
+              <a:lnSpc>
+                <a:spcPct val="90000"/>
+              </a:lnSpc>
+              <a:spcBef>
+                <a:spcPts val="500"/>
+              </a:spcBef>
+              <a:buFont typeface="Arial" panose="020B0604020202020204" pitchFamily="34" charset="0"/>
+              <a:buNone/>
+              <a:defRPr sz="1800" kern="1200">
+                <a:solidFill>
+                  <a:schemeClr val="tx1"/>
+                </a:solidFill>
+                <a:latin typeface="+mn-lt"/>
+                <a:ea typeface="+mn-ea"/>
+                <a:cs typeface="+mn-cs"/>
+              </a:defRPr>
+            </a:lvl3pPr>
+            <a:lvl4pPr marL="1371600" indent="0" algn="ctr" defTabSz="914400" rtl="0" eaLnBrk="1" latinLnBrk="0" hangingPunct="1">
+              <a:lnSpc>
+                <a:spcPct val="90000"/>
+              </a:lnSpc>
+              <a:spcBef>
+                <a:spcPts val="500"/>
+              </a:spcBef>
+              <a:buFont typeface="Arial" panose="020B0604020202020204" pitchFamily="34" charset="0"/>
+              <a:buNone/>
+              <a:defRPr sz="1600" kern="1200">
+                <a:solidFill>
+                  <a:schemeClr val="tx1"/>
+                </a:solidFill>
+                <a:latin typeface="+mn-lt"/>
+                <a:ea typeface="+mn-ea"/>
+                <a:cs typeface="+mn-cs"/>
+              </a:defRPr>
+            </a:lvl4pPr>
+            <a:lvl5pPr marL="1828800" indent="0" algn="ctr" defTabSz="914400" rtl="0" eaLnBrk="1" latinLnBrk="0" hangingPunct="1">
+              <a:lnSpc>
+                <a:spcPct val="90000"/>
+              </a:lnSpc>
+              <a:spcBef>
+                <a:spcPts val="500"/>
+              </a:spcBef>
+              <a:buFont typeface="Arial" panose="020B0604020202020204" pitchFamily="34" charset="0"/>
+              <a:buNone/>
+              <a:defRPr sz="1600" kern="1200">
+                <a:solidFill>
+                  <a:schemeClr val="tx1"/>
+                </a:solidFill>
+                <a:latin typeface="+mn-lt"/>
+                <a:ea typeface="+mn-ea"/>
+                <a:cs typeface="+mn-cs"/>
+              </a:defRPr>
+            </a:lvl5pPr>
+            <a:lvl6pPr marL="2286000" indent="0" algn="ctr" defTabSz="914400" rtl="0" eaLnBrk="1" latinLnBrk="0" hangingPunct="1">
+              <a:lnSpc>
+                <a:spcPct val="90000"/>
+              </a:lnSpc>
+              <a:spcBef>
+                <a:spcPts val="500"/>
+              </a:spcBef>
+              <a:buFont typeface="Arial" panose="020B0604020202020204" pitchFamily="34" charset="0"/>
+              <a:buNone/>
+              <a:defRPr sz="1600" kern="1200">
+                <a:solidFill>
+                  <a:schemeClr val="tx1"/>
+                </a:solidFill>
+                <a:latin typeface="+mn-lt"/>
+                <a:ea typeface="+mn-ea"/>
+                <a:cs typeface="+mn-cs"/>
+              </a:defRPr>
+            </a:lvl6pPr>
+            <a:lvl7pPr marL="2743200" indent="0" algn="ctr" defTabSz="914400" rtl="0" eaLnBrk="1" latinLnBrk="0" hangingPunct="1">
+              <a:lnSpc>
+                <a:spcPct val="90000"/>
+              </a:lnSpc>
+              <a:spcBef>
+                <a:spcPts val="500"/>
+              </a:spcBef>
+              <a:buFont typeface="Arial" panose="020B0604020202020204" pitchFamily="34" charset="0"/>
+              <a:buNone/>
+              <a:defRPr sz="1600" kern="1200">
+                <a:solidFill>
+                  <a:schemeClr val="tx1"/>
+                </a:solidFill>
+                <a:latin typeface="+mn-lt"/>
+                <a:ea typeface="+mn-ea"/>
+                <a:cs typeface="+mn-cs"/>
+              </a:defRPr>
+            </a:lvl7pPr>
+            <a:lvl8pPr marL="3200400" indent="0" algn="ctr" defTabSz="914400" rtl="0" eaLnBrk="1" latinLnBrk="0" hangingPunct="1">
+              <a:lnSpc>
+                <a:spcPct val="90000"/>
+              </a:lnSpc>
+              <a:spcBef>
+                <a:spcPts val="500"/>
+              </a:spcBef>
+              <a:buFont typeface="Arial" panose="020B0604020202020204" pitchFamily="34" charset="0"/>
+              <a:buNone/>
+              <a:defRPr sz="1600" kern="1200">
+                <a:solidFill>
+                  <a:schemeClr val="tx1"/>
+                </a:solidFill>
+                <a:latin typeface="+mn-lt"/>
+                <a:ea typeface="+mn-ea"/>
+                <a:cs typeface="+mn-cs"/>
+              </a:defRPr>
+            </a:lvl8pPr>
+            <a:lvl9pPr marL="3657600" indent="0" algn="ctr" defTabSz="914400" rtl="0" eaLnBrk="1" latinLnBrk="0" hangingPunct="1">
+              <a:lnSpc>
+                <a:spcPct val="90000"/>
+              </a:lnSpc>
+              <a:spcBef>
+                <a:spcPts val="500"/>
+              </a:spcBef>
+              <a:buFont typeface="Arial" panose="020B0604020202020204" pitchFamily="34" charset="0"/>
+              <a:buNone/>
+              <a:defRPr sz="1600" kern="1200">
+                <a:solidFill>
+                  <a:schemeClr val="tx1"/>
+                </a:solidFill>
+                <a:latin typeface="+mn-lt"/>
+                <a:ea typeface="+mn-ea"/>
+                <a:cs typeface="+mn-cs"/>
+              </a:defRPr>
+            </a:lvl9pPr>
+          </a:lstStyle>
+          <a:p>
+            <a:r>
+              <a:rPr lang="en-US" dirty="0" smtClean="0"/>
+              <a:t>Similarity Browsing Tool over RDF Databases</a:t>
+            </a:r>
+            <a:endParaRPr lang="en-US" dirty="0"/>
           </a:p>
         </p:txBody>
       </p:sp>
@@ -3543,138 +3774,153 @@
             <p:ph type="title"/>
           </p:nvPr>
         </p:nvSpPr>
-        <p:spPr/>
-        <p:txBody>
-          <a:bodyPr/>
-          <a:lstStyle/>
-          <a:p>
-            <a:r>
-              <a:rPr lang="en-US" dirty="0" smtClean="0"/>
-              <a:t>What it is</a:t>
-            </a:r>
-            <a:endParaRPr lang="en-US" dirty="0"/>
-          </a:p>
-        </p:txBody>
-      </p:sp>
-      <p:sp>
-        <p:nvSpPr>
-          <p:cNvPr id="3" name="Content Placeholder 2"/>
-          <p:cNvSpPr>
-            <a:spLocks noGrp="1"/>
-          </p:cNvSpPr>
-          <p:nvPr>
-            <p:ph idx="1"/>
-          </p:nvPr>
-        </p:nvSpPr>
         <p:spPr>
           <a:xfrm>
-            <a:off x="838200" y="1524000"/>
-            <a:ext cx="10515600" cy="4652963"/>
+            <a:off x="838200" y="483577"/>
+            <a:ext cx="10515600" cy="659423"/>
           </a:xfrm>
         </p:spPr>
         <p:txBody>
-          <a:bodyPr/>
-          <a:lstStyle/>
-          <a:p>
-            <a:r>
-              <a:rPr lang="en-US" dirty="0" err="1" smtClean="0"/>
-              <a:t>RRFsim</a:t>
-            </a:r>
+          <a:bodyPr>
+            <a:normAutofit fontScale="90000"/>
+          </a:bodyPr>
+          <a:lstStyle/>
+          <a:p>
             <a:r>
               <a:rPr lang="en-US" dirty="0" smtClean="0"/>
-              <a:t> is a web application designed to help the user browse data over a selected RDF database</a:t>
-            </a:r>
-          </a:p>
-          <a:p>
-            <a:r>
-              <a:rPr lang="en-US" dirty="0" smtClean="0"/>
-              <a:t>It tries to determine which entities are the most semantically similar to a given one, allowing the user to explore information based on how similar two entities are </a:t>
-            </a:r>
-          </a:p>
-          <a:p>
-            <a:r>
-              <a:rPr lang="en-US" dirty="0" smtClean="0">
+              <a:t>Context</a:t>
+            </a:r>
+            <a:endParaRPr lang="en-US" dirty="0"/>
+          </a:p>
+        </p:txBody>
+      </p:sp>
+      <p:sp>
+        <p:nvSpPr>
+          <p:cNvPr id="3" name="Content Placeholder 2"/>
+          <p:cNvSpPr>
+            <a:spLocks noGrp="1"/>
+          </p:cNvSpPr>
+          <p:nvPr>
+            <p:ph idx="1"/>
+          </p:nvPr>
+        </p:nvSpPr>
+        <p:spPr>
+          <a:xfrm>
+            <a:off x="838200" y="1245331"/>
+            <a:ext cx="10515600" cy="5190637"/>
+          </a:xfrm>
+        </p:spPr>
+        <p:txBody>
+          <a:bodyPr>
+            <a:normAutofit/>
+          </a:bodyPr>
+          <a:lstStyle/>
+          <a:p>
+            <a:r>
+              <a:rPr lang="en-US" sz="2400" dirty="0" smtClean="0"/>
+              <a:t>Browsing is one of the most important actions of the web.</a:t>
+            </a:r>
+          </a:p>
+          <a:p>
+            <a:r>
+              <a:rPr lang="en-US" sz="2400" dirty="0" smtClean="0"/>
+              <a:t>RDF Databases/Knowledge graph containing lots of useful information (As RDF format is really good at expressing information).</a:t>
+            </a:r>
+          </a:p>
+          <a:p>
+            <a:r>
+              <a:rPr lang="en-US" sz="2400" dirty="0" smtClean="0"/>
+              <a:t>Are there user friendly/easy ways to browse the data of an RDF database?</a:t>
+            </a:r>
+          </a:p>
+          <a:p>
+            <a:r>
+              <a:rPr lang="en-US" sz="2400" dirty="0" smtClean="0"/>
+              <a:t>Simple users are unfamiliar with the Semantic Web concepts.</a:t>
+            </a:r>
+          </a:p>
+          <a:p>
+            <a:r>
+              <a:rPr lang="en-US" sz="2400" dirty="0" smtClean="0"/>
+              <a:t>Should we explore different ways to retrieve information, considering classic I.R. (information retrieval) methods?</a:t>
+            </a:r>
+          </a:p>
+          <a:p>
+            <a:r>
+              <a:rPr lang="en-US" sz="2400" dirty="0" smtClean="0">
                 <a:solidFill>
                   <a:srgbClr val="FF0000"/>
                 </a:solidFill>
               </a:rPr>
-              <a:t>Warning! Its not a classic search engine (i.e. does not use classic IR methods): </a:t>
-            </a:r>
-            <a:r>
-              <a:rPr lang="en-US" dirty="0" smtClean="0"/>
-              <a:t>Does not offer browsing over web pages, it offers browsing among information/entities available on a given RDF database.</a:t>
-            </a:r>
-            <a:endParaRPr lang="en-US" dirty="0">
+              <a:t>Background:</a:t>
+            </a:r>
+          </a:p>
+          <a:p>
+            <a:pPr lvl="1"/>
+            <a:r>
+              <a:rPr lang="en-US" sz="2000" dirty="0" smtClean="0">
+                <a:solidFill>
+                  <a:srgbClr val="FF0000"/>
+                </a:solidFill>
+              </a:rPr>
+              <a:t>RDF Databases/Knowledge Graphs</a:t>
+            </a:r>
+          </a:p>
+          <a:p>
+            <a:pPr lvl="1"/>
+            <a:r>
+              <a:rPr lang="en-US" sz="2000" dirty="0" smtClean="0">
+                <a:solidFill>
+                  <a:srgbClr val="FF0000"/>
+                </a:solidFill>
+              </a:rPr>
+              <a:t>RDF Triples</a:t>
+            </a:r>
+          </a:p>
+          <a:p>
+            <a:pPr lvl="1"/>
+            <a:r>
+              <a:rPr lang="en-US" sz="2000" dirty="0" smtClean="0">
+                <a:solidFill>
+                  <a:srgbClr val="FF0000"/>
+                </a:solidFill>
+              </a:rPr>
+              <a:t>Natural Language Processing (NLP)/Word </a:t>
+            </a:r>
+            <a:r>
+              <a:rPr lang="en-US" sz="2000" dirty="0" err="1" smtClean="0">
+                <a:solidFill>
+                  <a:srgbClr val="FF0000"/>
+                </a:solidFill>
+              </a:rPr>
+              <a:t>Embeddings</a:t>
+            </a:r>
+            <a:endParaRPr lang="en-US" sz="2000" dirty="0" smtClean="0">
               <a:solidFill>
                 <a:srgbClr val="FF0000"/>
               </a:solidFill>
             </a:endParaRPr>
           </a:p>
-        </p:txBody>
-      </p:sp>
-      <p:sp>
-        <p:nvSpPr>
-          <p:cNvPr id="5" name="Footer Placeholder 4"/>
-          <p:cNvSpPr>
-            <a:spLocks noGrp="1"/>
-          </p:cNvSpPr>
-          <p:nvPr>
-            <p:ph type="ftr" sz="quarter" idx="11"/>
-          </p:nvPr>
-        </p:nvSpPr>
-        <p:spPr/>
-        <p:txBody>
-          <a:bodyPr/>
-          <a:lstStyle/>
-          <a:p>
-            <a:r>
-              <a:rPr lang="en-US" smtClean="0"/>
-              <a:t>© Copyright 2020 FOUNDATION FOR RESEARCH &amp; TECHNOLOGY - HELLAS, All rights reserved</a:t>
-            </a:r>
-            <a:endParaRPr lang="en-US"/>
-          </a:p>
-        </p:txBody>
-      </p:sp>
-      <p:sp>
-        <p:nvSpPr>
-          <p:cNvPr id="6" name="Slide Number Placeholder 5"/>
-          <p:cNvSpPr>
-            <a:spLocks noGrp="1"/>
-          </p:cNvSpPr>
-          <p:nvPr>
-            <p:ph type="sldNum" sz="quarter" idx="12"/>
-          </p:nvPr>
-        </p:nvSpPr>
-        <p:spPr/>
-        <p:txBody>
-          <a:bodyPr/>
-          <a:lstStyle/>
-          <a:p>
-            <a:fld id="{784F2D9E-80D2-41DD-932E-4D090CAEEB74}" type="slidenum">
-              <a:rPr lang="en-US" smtClean="0"/>
-              <a:t>2</a:t>
-            </a:fld>
-            <a:endParaRPr lang="en-US"/>
+          <a:p>
+            <a:pPr lvl="1"/>
+            <a:endParaRPr lang="en-US" sz="2000" dirty="0">
+              <a:solidFill>
+                <a:srgbClr val="FF0000"/>
+              </a:solidFill>
+            </a:endParaRPr>
           </a:p>
         </p:txBody>
       </p:sp>
     </p:spTree>
     <p:extLst>
       <p:ext uri="{BB962C8B-B14F-4D97-AF65-F5344CB8AC3E}">
-        <p14:creationId xmlns:p14="http://schemas.microsoft.com/office/powerpoint/2010/main" val="3235941883"/>
+        <p14:creationId xmlns:p14="http://schemas.microsoft.com/office/powerpoint/2010/main" val="2815078101"/>
       </p:ext>
     </p:extLst>
   </p:cSld>
   <p:clrMapOvr>
     <a:masterClrMapping/>
   </p:clrMapOvr>
-  <p:timing>
-    <p:tnLst>
-      <p:par>
-        <p:cTn id="1" dur="indefinite" restart="never" nodeType="tmRoot"/>
-      </p:par>
-    </p:tnLst>
-  </p:timing>
 </p:sld>
 </file>
 
@@ -3705,405 +3951,156 @@
             <p:ph type="title"/>
           </p:nvPr>
         </p:nvSpPr>
-        <p:spPr/>
-        <p:txBody>
-          <a:bodyPr/>
-          <a:lstStyle/>
-          <a:p>
-            <a:r>
-              <a:rPr lang="en-US" dirty="0" smtClean="0"/>
-              <a:t>Why it is useful</a:t>
-            </a:r>
-            <a:endParaRPr lang="en-US" dirty="0"/>
-          </a:p>
-        </p:txBody>
-      </p:sp>
-      <p:sp>
-        <p:nvSpPr>
-          <p:cNvPr id="3" name="Content Placeholder 2"/>
-          <p:cNvSpPr>
-            <a:spLocks noGrp="1"/>
-          </p:cNvSpPr>
-          <p:nvPr>
-            <p:ph idx="1"/>
-          </p:nvPr>
-        </p:nvSpPr>
         <p:spPr>
           <a:xfrm>
-            <a:off x="4947138" y="512642"/>
-            <a:ext cx="6986954" cy="1128342"/>
+            <a:off x="838200" y="365126"/>
+            <a:ext cx="10515600" cy="681160"/>
           </a:xfrm>
         </p:spPr>
         <p:txBody>
           <a:bodyPr>
-            <a:normAutofit fontScale="55000" lnSpcReduction="20000"/>
+            <a:normAutofit fontScale="90000"/>
           </a:bodyPr>
           <a:lstStyle/>
           <a:p>
-            <a:pPr marL="0" indent="0">
-              <a:buNone/>
-            </a:pPr>
             <a:r>
               <a:rPr lang="en-US" dirty="0" smtClean="0"/>
-              <a:t>Context:</a:t>
-            </a:r>
-          </a:p>
-          <a:p>
+              <a:t>What is </a:t>
+            </a:r>
+            <a:r>
+              <a:rPr lang="en-US" dirty="0" err="1" smtClean="0"/>
+              <a:t>RDFsim</a:t>
+            </a:r>
             <a:r>
               <a:rPr lang="en-US" dirty="0" smtClean="0"/>
-              <a:t>Browsing is one of the most important tasks of the web.</a:t>
-            </a:r>
-          </a:p>
-          <a:p>
-            <a:r>
-              <a:rPr lang="en-US" dirty="0" smtClean="0"/>
-              <a:t>By now, there is no friendly way to interact with an RDF database (Generally, basic users are unfamiliar with the semantic web and its resources).</a:t>
-            </a:r>
-          </a:p>
-          <a:p>
-            <a:pPr marL="0" indent="0">
-              <a:buNone/>
-            </a:pPr>
-            <a:endParaRPr lang="en-US" dirty="0" smtClean="0"/>
-          </a:p>
-          <a:p>
+              <a:t> (and why it is useful)?</a:t>
+            </a:r>
             <a:endParaRPr lang="en-US" dirty="0"/>
           </a:p>
         </p:txBody>
       </p:sp>
       <p:sp>
         <p:nvSpPr>
-          <p:cNvPr id="4" name="Content Placeholder 2"/>
-          <p:cNvSpPr txBox="1">
-            <a:spLocks/>
-          </p:cNvSpPr>
-          <p:nvPr/>
+          <p:cNvPr id="3" name="Content Placeholder 2"/>
+          <p:cNvSpPr>
+            <a:spLocks noGrp="1"/>
+          </p:cNvSpPr>
+          <p:nvPr>
+            <p:ph idx="1"/>
+          </p:nvPr>
         </p:nvSpPr>
         <p:spPr>
           <a:xfrm>
-            <a:off x="838200" y="1899137"/>
-            <a:ext cx="10515600" cy="4564185"/>
+            <a:off x="838200" y="1046285"/>
+            <a:ext cx="10515600" cy="5539153"/>
           </a:xfrm>
-          <a:prstGeom prst="rect">
-            <a:avLst/>
-          </a:prstGeom>
         </p:spPr>
         <p:txBody>
-          <a:bodyPr vert="horz" lIns="91440" tIns="45720" rIns="91440" bIns="45720" rtlCol="0">
+          <a:bodyPr>
             <a:normAutofit/>
           </a:bodyPr>
-          <a:lstStyle>
-            <a:lvl1pPr marL="228600" indent="-228600" algn="l" defTabSz="914400" rtl="0" eaLnBrk="1" latinLnBrk="0" hangingPunct="1">
-              <a:lnSpc>
-                <a:spcPct val="90000"/>
-              </a:lnSpc>
-              <a:spcBef>
-                <a:spcPts val="1000"/>
-              </a:spcBef>
-              <a:buFont typeface="Arial" panose="020B0604020202020204" pitchFamily="34" charset="0"/>
-              <a:buChar char="•"/>
-              <a:defRPr sz="2800" kern="1200">
-                <a:solidFill>
-                  <a:schemeClr val="tx1"/>
-                </a:solidFill>
-                <a:latin typeface="+mn-lt"/>
-                <a:ea typeface="+mn-ea"/>
-                <a:cs typeface="+mn-cs"/>
-              </a:defRPr>
-            </a:lvl1pPr>
-            <a:lvl2pPr marL="685800" indent="-228600" algn="l" defTabSz="914400" rtl="0" eaLnBrk="1" latinLnBrk="0" hangingPunct="1">
-              <a:lnSpc>
-                <a:spcPct val="90000"/>
-              </a:lnSpc>
-              <a:spcBef>
-                <a:spcPts val="500"/>
-              </a:spcBef>
-              <a:buFont typeface="Arial" panose="020B0604020202020204" pitchFamily="34" charset="0"/>
-              <a:buChar char="•"/>
-              <a:defRPr sz="2400" kern="1200">
-                <a:solidFill>
-                  <a:schemeClr val="tx1"/>
-                </a:solidFill>
-                <a:latin typeface="+mn-lt"/>
-                <a:ea typeface="+mn-ea"/>
-                <a:cs typeface="+mn-cs"/>
-              </a:defRPr>
-            </a:lvl2pPr>
-            <a:lvl3pPr marL="1143000" indent="-228600" algn="l" defTabSz="914400" rtl="0" eaLnBrk="1" latinLnBrk="0" hangingPunct="1">
-              <a:lnSpc>
-                <a:spcPct val="90000"/>
-              </a:lnSpc>
-              <a:spcBef>
-                <a:spcPts val="500"/>
-              </a:spcBef>
-              <a:buFont typeface="Arial" panose="020B0604020202020204" pitchFamily="34" charset="0"/>
-              <a:buChar char="•"/>
-              <a:defRPr sz="2000" kern="1200">
-                <a:solidFill>
-                  <a:schemeClr val="tx1"/>
-                </a:solidFill>
-                <a:latin typeface="+mn-lt"/>
-                <a:ea typeface="+mn-ea"/>
-                <a:cs typeface="+mn-cs"/>
-              </a:defRPr>
-            </a:lvl3pPr>
-            <a:lvl4pPr marL="1600200" indent="-228600" algn="l" defTabSz="914400" rtl="0" eaLnBrk="1" latinLnBrk="0" hangingPunct="1">
-              <a:lnSpc>
-                <a:spcPct val="90000"/>
-              </a:lnSpc>
-              <a:spcBef>
-                <a:spcPts val="500"/>
-              </a:spcBef>
-              <a:buFont typeface="Arial" panose="020B0604020202020204" pitchFamily="34" charset="0"/>
-              <a:buChar char="•"/>
-              <a:defRPr sz="1800" kern="1200">
-                <a:solidFill>
-                  <a:schemeClr val="tx1"/>
-                </a:solidFill>
-                <a:latin typeface="+mn-lt"/>
-                <a:ea typeface="+mn-ea"/>
-                <a:cs typeface="+mn-cs"/>
-              </a:defRPr>
-            </a:lvl4pPr>
-            <a:lvl5pPr marL="2057400" indent="-228600" algn="l" defTabSz="914400" rtl="0" eaLnBrk="1" latinLnBrk="0" hangingPunct="1">
-              <a:lnSpc>
-                <a:spcPct val="90000"/>
-              </a:lnSpc>
-              <a:spcBef>
-                <a:spcPts val="500"/>
-              </a:spcBef>
-              <a:buFont typeface="Arial" panose="020B0604020202020204" pitchFamily="34" charset="0"/>
-              <a:buChar char="•"/>
-              <a:defRPr sz="1800" kern="1200">
-                <a:solidFill>
-                  <a:schemeClr val="tx1"/>
-                </a:solidFill>
-                <a:latin typeface="+mn-lt"/>
-                <a:ea typeface="+mn-ea"/>
-                <a:cs typeface="+mn-cs"/>
-              </a:defRPr>
-            </a:lvl5pPr>
-            <a:lvl6pPr marL="2514600" indent="-228600" algn="l" defTabSz="914400" rtl="0" eaLnBrk="1" latinLnBrk="0" hangingPunct="1">
-              <a:lnSpc>
-                <a:spcPct val="90000"/>
-              </a:lnSpc>
-              <a:spcBef>
-                <a:spcPts val="500"/>
-              </a:spcBef>
-              <a:buFont typeface="Arial" panose="020B0604020202020204" pitchFamily="34" charset="0"/>
-              <a:buChar char="•"/>
-              <a:defRPr sz="1800" kern="1200">
-                <a:solidFill>
-                  <a:schemeClr val="tx1"/>
-                </a:solidFill>
-                <a:latin typeface="+mn-lt"/>
-                <a:ea typeface="+mn-ea"/>
-                <a:cs typeface="+mn-cs"/>
-              </a:defRPr>
-            </a:lvl6pPr>
-            <a:lvl7pPr marL="2971800" indent="-228600" algn="l" defTabSz="914400" rtl="0" eaLnBrk="1" latinLnBrk="0" hangingPunct="1">
-              <a:lnSpc>
-                <a:spcPct val="90000"/>
-              </a:lnSpc>
-              <a:spcBef>
-                <a:spcPts val="500"/>
-              </a:spcBef>
-              <a:buFont typeface="Arial" panose="020B0604020202020204" pitchFamily="34" charset="0"/>
-              <a:buChar char="•"/>
-              <a:defRPr sz="1800" kern="1200">
-                <a:solidFill>
-                  <a:schemeClr val="tx1"/>
-                </a:solidFill>
-                <a:latin typeface="+mn-lt"/>
-                <a:ea typeface="+mn-ea"/>
-                <a:cs typeface="+mn-cs"/>
-              </a:defRPr>
-            </a:lvl7pPr>
-            <a:lvl8pPr marL="3429000" indent="-228600" algn="l" defTabSz="914400" rtl="0" eaLnBrk="1" latinLnBrk="0" hangingPunct="1">
-              <a:lnSpc>
-                <a:spcPct val="90000"/>
-              </a:lnSpc>
-              <a:spcBef>
-                <a:spcPts val="500"/>
-              </a:spcBef>
-              <a:buFont typeface="Arial" panose="020B0604020202020204" pitchFamily="34" charset="0"/>
-              <a:buChar char="•"/>
-              <a:defRPr sz="1800" kern="1200">
-                <a:solidFill>
-                  <a:schemeClr val="tx1"/>
-                </a:solidFill>
-                <a:latin typeface="+mn-lt"/>
-                <a:ea typeface="+mn-ea"/>
-                <a:cs typeface="+mn-cs"/>
-              </a:defRPr>
-            </a:lvl8pPr>
-            <a:lvl9pPr marL="3886200" indent="-228600" algn="l" defTabSz="914400" rtl="0" eaLnBrk="1" latinLnBrk="0" hangingPunct="1">
-              <a:lnSpc>
-                <a:spcPct val="90000"/>
-              </a:lnSpc>
-              <a:spcBef>
-                <a:spcPts val="500"/>
-              </a:spcBef>
-              <a:buFont typeface="Arial" panose="020B0604020202020204" pitchFamily="34" charset="0"/>
-              <a:buChar char="•"/>
-              <a:defRPr sz="1800" kern="1200">
-                <a:solidFill>
-                  <a:schemeClr val="tx1"/>
-                </a:solidFill>
-                <a:latin typeface="+mn-lt"/>
-                <a:ea typeface="+mn-ea"/>
-                <a:cs typeface="+mn-cs"/>
-              </a:defRPr>
-            </a:lvl9pPr>
-          </a:lstStyle>
-          <a:p>
-            <a:r>
-              <a:rPr lang="en-US" dirty="0" smtClean="0"/>
-              <a:t>It provides an easy and interactive way to browse and extract information of an RDF database</a:t>
-            </a:r>
-          </a:p>
-          <a:p>
-            <a:r>
-              <a:rPr lang="en-US" dirty="0" smtClean="0"/>
-              <a:t>It can be configured to work on any RDF databases! </a:t>
-            </a:r>
-            <a:r>
-              <a:rPr lang="en-US" dirty="0" smtClean="0">
+          <a:lstStyle/>
+          <a:p>
+            <a:r>
+              <a:rPr lang="en-US" sz="2400" dirty="0" err="1" smtClean="0"/>
+              <a:t>RDFsim</a:t>
+            </a:r>
+            <a:r>
+              <a:rPr lang="en-US" sz="2400" dirty="0" smtClean="0"/>
+              <a:t> is a web application designed to provide a UI for browsing on the data of an RDF database.</a:t>
+            </a:r>
+          </a:p>
+          <a:p>
+            <a:r>
+              <a:rPr lang="en-US" sz="2400" dirty="0" smtClean="0"/>
+              <a:t>It provides an easy and interactive way to browse over entities of a RDF DB, by showing the entities that are semantically similar to a corresponding entity, while it is able to show information about this entity (Wikipedia page, </a:t>
+            </a:r>
+            <a:r>
+              <a:rPr lang="en-US" sz="2400" dirty="0" err="1" smtClean="0"/>
+              <a:t>dbpedia</a:t>
+            </a:r>
+            <a:r>
+              <a:rPr lang="en-US" sz="2400" dirty="0" smtClean="0"/>
+              <a:t> page or raw triples).</a:t>
+            </a:r>
+          </a:p>
+          <a:p>
+            <a:r>
+              <a:rPr lang="en-US" sz="2400" dirty="0" smtClean="0"/>
+              <a:t>It can be configured to work on any RDF database (for this demo version, </a:t>
+            </a:r>
+            <a:r>
+              <a:rPr lang="en-US" sz="2400" dirty="0" err="1" smtClean="0"/>
+              <a:t>Dbpedia</a:t>
+            </a:r>
+            <a:r>
+              <a:rPr lang="en-US" sz="2400" dirty="0" smtClean="0"/>
+              <a:t> is used)</a:t>
+            </a:r>
+          </a:p>
+          <a:p>
+            <a:r>
+              <a:rPr lang="en-US" sz="2400" dirty="0" smtClean="0"/>
+              <a:t>For any given configuration, it pre-calculates the data, thus it can be run on any common machine supposing that the input dataset is provided.</a:t>
+            </a:r>
+          </a:p>
+          <a:p>
+            <a:r>
+              <a:rPr lang="en-US" sz="2400" dirty="0" smtClean="0"/>
+              <a:t>It is </a:t>
+            </a:r>
+            <a:r>
+              <a:rPr lang="en-US" sz="2400" dirty="0" err="1" smtClean="0"/>
+              <a:t>independed</a:t>
+            </a:r>
+            <a:r>
+              <a:rPr lang="en-US" sz="2400" dirty="0" smtClean="0"/>
+              <a:t> from the library that provides the methods to find the similar entities to a given one, thus it is easily refactored.</a:t>
+            </a:r>
+            <a:endParaRPr lang="el-GR" sz="2400" dirty="0" smtClean="0"/>
+          </a:p>
+          <a:p>
+            <a:r>
+              <a:rPr lang="en-US" sz="2400" dirty="0" smtClean="0">
                 <a:solidFill>
                   <a:srgbClr val="FF0000"/>
                 </a:solidFill>
               </a:rPr>
-              <a:t>For this demo version, it is configured with </a:t>
-            </a:r>
-            <a:r>
-              <a:rPr lang="en-US" dirty="0" err="1" smtClean="0">
+              <a:t>Important: </a:t>
+            </a:r>
+            <a:r>
+              <a:rPr lang="en-US" sz="2400" dirty="0" err="1" smtClean="0">
                 <a:solidFill>
                   <a:srgbClr val="FF0000"/>
                 </a:solidFill>
               </a:rPr>
-              <a:t>Dbpedia</a:t>
-            </a:r>
-            <a:r>
-              <a:rPr lang="en-US" dirty="0" smtClean="0">
+              <a:t>RDFsim</a:t>
+            </a:r>
+            <a:r>
+              <a:rPr lang="en-US" sz="2400" dirty="0" smtClean="0">
                 <a:solidFill>
                   <a:srgbClr val="FF0000"/>
                 </a:solidFill>
               </a:rPr>
-              <a:t> datasets. </a:t>
-            </a:r>
-            <a:endParaRPr lang="en-US" dirty="0" smtClean="0"/>
-          </a:p>
-          <a:p>
-            <a:r>
-              <a:rPr lang="en-US" dirty="0" smtClean="0"/>
-              <a:t>It has pre-calculated the </a:t>
-            </a:r>
-            <a:r>
-              <a:rPr lang="en-US" dirty="0" err="1" smtClean="0"/>
-              <a:t>embeddings</a:t>
-            </a:r>
-            <a:r>
-              <a:rPr lang="en-US" dirty="0" smtClean="0"/>
-              <a:t> (i.e. vectors) and supports a Random Access system, that ensures efficiency, and ability to run of common computers with a provided dataset.</a:t>
-            </a:r>
-          </a:p>
-          <a:p>
-            <a:r>
-              <a:rPr lang="en-US" dirty="0" smtClean="0"/>
-              <a:t>It is </a:t>
-            </a:r>
-            <a:r>
-              <a:rPr lang="en-US" dirty="0" err="1" smtClean="0"/>
-              <a:t>independed</a:t>
-            </a:r>
-            <a:r>
-              <a:rPr lang="en-US" dirty="0" smtClean="0"/>
-              <a:t> from the embedding method/library, which means that it is </a:t>
-            </a:r>
-            <a:r>
-              <a:rPr lang="en-US" dirty="0" err="1" smtClean="0"/>
-              <a:t>easilty</a:t>
-            </a:r>
-            <a:r>
-              <a:rPr lang="en-US" dirty="0" smtClean="0"/>
-              <a:t> refactored as a software.</a:t>
-            </a:r>
-          </a:p>
-          <a:p>
-            <a:pPr marL="0" indent="0">
-              <a:buFont typeface="Arial" panose="020B0604020202020204" pitchFamily="34" charset="0"/>
-              <a:buNone/>
-            </a:pPr>
-            <a:endParaRPr lang="en-US" dirty="0" smtClean="0"/>
-          </a:p>
-          <a:p>
-            <a:endParaRPr lang="en-US" dirty="0"/>
-          </a:p>
-        </p:txBody>
-      </p:sp>
-      <p:sp>
-        <p:nvSpPr>
-          <p:cNvPr id="5" name="Footer Placeholder 4"/>
-          <p:cNvSpPr>
-            <a:spLocks noGrp="1"/>
-          </p:cNvSpPr>
-          <p:nvPr>
-            <p:ph type="ftr" sz="quarter" idx="11"/>
-          </p:nvPr>
-        </p:nvSpPr>
-        <p:spPr/>
-        <p:txBody>
-          <a:bodyPr/>
-          <a:lstStyle/>
-          <a:p>
-            <a:r>
-              <a:rPr lang="en-US" smtClean="0"/>
-              <a:t>© Copyright 2020 FOUNDATION FOR RESEARCH &amp; TECHNOLOGY - HELLAS, All rights reserved</a:t>
-            </a:r>
-            <a:endParaRPr lang="en-US"/>
-          </a:p>
-        </p:txBody>
-      </p:sp>
-      <p:sp>
-        <p:nvSpPr>
-          <p:cNvPr id="6" name="Slide Number Placeholder 5"/>
-          <p:cNvSpPr>
-            <a:spLocks noGrp="1"/>
-          </p:cNvSpPr>
-          <p:nvPr>
-            <p:ph type="sldNum" sz="quarter" idx="12"/>
-          </p:nvPr>
-        </p:nvSpPr>
-        <p:spPr/>
-        <p:txBody>
-          <a:bodyPr/>
-          <a:lstStyle/>
-          <a:p>
-            <a:fld id="{784F2D9E-80D2-41DD-932E-4D090CAEEB74}" type="slidenum">
-              <a:rPr lang="en-US" smtClean="0"/>
-              <a:t>3</a:t>
-            </a:fld>
-            <a:endParaRPr lang="en-US"/>
+              <a:t> is not a classic search engine i.e. it does not offer browsing over web pages, </a:t>
+            </a:r>
+            <a:r>
+              <a:rPr lang="en-US" sz="2400" dirty="0" smtClean="0"/>
+              <a:t>it offers browsing over information/entities of the database.</a:t>
+            </a:r>
           </a:p>
         </p:txBody>
       </p:sp>
     </p:spTree>
     <p:extLst>
       <p:ext uri="{BB962C8B-B14F-4D97-AF65-F5344CB8AC3E}">
-        <p14:creationId xmlns:p14="http://schemas.microsoft.com/office/powerpoint/2010/main" val="1927362084"/>
+        <p14:creationId xmlns:p14="http://schemas.microsoft.com/office/powerpoint/2010/main" val="2343729155"/>
       </p:ext>
     </p:extLst>
   </p:cSld>
   <p:clrMapOvr>
     <a:masterClrMapping/>
   </p:clrMapOvr>
-  <p:timing>
-    <p:tnLst>
-      <p:par>
-        <p:cTn id="1" dur="indefinite" restart="never" nodeType="tmRoot"/>
-      </p:par>
-    </p:tnLst>
-  </p:timing>
 </p:sld>
 </file>
 
@@ -4136,19 +4133,21 @@
         </p:nvSpPr>
         <p:spPr>
           <a:xfrm>
-            <a:off x="775677" y="213920"/>
-            <a:ext cx="10515600" cy="1325563"/>
+            <a:off x="838200" y="105508"/>
+            <a:ext cx="10515600" cy="817685"/>
           </a:xfrm>
         </p:spPr>
         <p:txBody>
-          <a:bodyPr/>
-          <a:lstStyle/>
-          <a:p>
-            <a:r>
-              <a:rPr lang="en-US" dirty="0" smtClean="0"/>
-              <a:t>Examples</a:t>
-            </a:r>
-            <a:endParaRPr lang="en-US" dirty="0"/>
+          <a:bodyPr>
+            <a:normAutofit/>
+          </a:bodyPr>
+          <a:lstStyle/>
+          <a:p>
+            <a:r>
+              <a:rPr lang="en-US" sz="3600" dirty="0" smtClean="0"/>
+              <a:t>How does it work (simply)</a:t>
+            </a:r>
+            <a:endParaRPr lang="en-US" sz="3600" dirty="0"/>
           </a:p>
         </p:txBody>
       </p:sp>
@@ -4164,211 +4163,98 @@
         </p:nvSpPr>
         <p:spPr>
           <a:xfrm>
-            <a:off x="775677" y="1192579"/>
-            <a:ext cx="10515600" cy="4351338"/>
+            <a:off x="838200" y="796924"/>
+            <a:ext cx="10515600" cy="5885229"/>
           </a:xfrm>
         </p:spPr>
         <p:txBody>
-          <a:bodyPr/>
-          <a:lstStyle/>
-          <a:p>
-            <a:pPr marL="0" indent="0">
-              <a:buNone/>
-            </a:pPr>
-            <a:r>
-              <a:rPr lang="en-US" dirty="0" smtClean="0"/>
-              <a:t>Dataset: A custom dataset containing ~40k triples of </a:t>
-            </a:r>
-            <a:r>
-              <a:rPr lang="en-US" dirty="0" err="1" smtClean="0"/>
-              <a:t>Dbpedia</a:t>
-            </a:r>
-            <a:r>
-              <a:rPr lang="en-US" dirty="0" smtClean="0"/>
-              <a:t> philosophers:</a:t>
-            </a:r>
-          </a:p>
-          <a:p>
-            <a:pPr marL="0" indent="0">
-              <a:buNone/>
-            </a:pPr>
-            <a:endParaRPr lang="en-US" dirty="0"/>
-          </a:p>
-        </p:txBody>
-      </p:sp>
-      <p:pic>
-        <p:nvPicPr>
-          <p:cNvPr id="5" name="Picture 4"/>
-          <p:cNvPicPr>
-            <a:picLocks noChangeAspect="1"/>
-          </p:cNvPicPr>
-          <p:nvPr/>
-        </p:nvPicPr>
-        <p:blipFill>
-          <a:blip r:embed="rId2"/>
-          <a:stretch>
-            <a:fillRect/>
-          </a:stretch>
-        </p:blipFill>
-        <p:spPr>
-          <a:xfrm>
-            <a:off x="28062" y="2618672"/>
-            <a:ext cx="3972916" cy="1703236"/>
-          </a:xfrm>
-          <a:prstGeom prst="rect">
-            <a:avLst/>
-          </a:prstGeom>
-        </p:spPr>
-      </p:pic>
-      <p:sp>
-        <p:nvSpPr>
-          <p:cNvPr id="6" name="Right Arrow 5"/>
-          <p:cNvSpPr/>
-          <p:nvPr/>
-        </p:nvSpPr>
-        <p:spPr>
-          <a:xfrm>
-            <a:off x="3694176" y="3368248"/>
-            <a:ext cx="737148" cy="203200"/>
-          </a:xfrm>
-          <a:prstGeom prst="rightArrow">
-            <a:avLst/>
-          </a:prstGeom>
-        </p:spPr>
-        <p:style>
-          <a:lnRef idx="3">
-            <a:schemeClr val="lt1"/>
-          </a:lnRef>
-          <a:fillRef idx="1">
-            <a:schemeClr val="dk1"/>
-          </a:fillRef>
-          <a:effectRef idx="1">
-            <a:schemeClr val="dk1"/>
-          </a:effectRef>
-          <a:fontRef idx="minor">
-            <a:schemeClr val="lt1"/>
-          </a:fontRef>
-        </p:style>
-        <p:txBody>
-          <a:bodyPr rtlCol="0" anchor="ctr"/>
-          <a:lstStyle/>
-          <a:p>
-            <a:pPr algn="ctr"/>
-            <a:endParaRPr lang="en-US"/>
-          </a:p>
-        </p:txBody>
-      </p:sp>
-      <p:pic>
-        <p:nvPicPr>
-          <p:cNvPr id="7" name="Picture 6"/>
-          <p:cNvPicPr>
-            <a:picLocks noChangeAspect="1"/>
-          </p:cNvPicPr>
-          <p:nvPr/>
-        </p:nvPicPr>
-        <p:blipFill>
-          <a:blip r:embed="rId3"/>
-          <a:stretch>
-            <a:fillRect/>
-          </a:stretch>
-        </p:blipFill>
-        <p:spPr>
-          <a:xfrm>
-            <a:off x="8284496" y="1790886"/>
-            <a:ext cx="3754396" cy="2869894"/>
-          </a:xfrm>
-          <a:prstGeom prst="rect">
-            <a:avLst/>
-          </a:prstGeom>
-        </p:spPr>
-      </p:pic>
-      <p:pic>
-        <p:nvPicPr>
-          <p:cNvPr id="8" name="Picture 7"/>
-          <p:cNvPicPr>
-            <a:picLocks noChangeAspect="1"/>
-          </p:cNvPicPr>
-          <p:nvPr/>
-        </p:nvPicPr>
-        <p:blipFill>
-          <a:blip r:embed="rId4"/>
-          <a:stretch>
-            <a:fillRect/>
-          </a:stretch>
-        </p:blipFill>
-        <p:spPr>
-          <a:xfrm>
-            <a:off x="4431324" y="1889176"/>
-            <a:ext cx="3789683" cy="3886544"/>
-          </a:xfrm>
-          <a:prstGeom prst="rect">
-            <a:avLst/>
-          </a:prstGeom>
-        </p:spPr>
-      </p:pic>
-      <p:sp>
-        <p:nvSpPr>
-          <p:cNvPr id="10" name="Footer Placeholder 9"/>
-          <p:cNvSpPr>
-            <a:spLocks noGrp="1"/>
-          </p:cNvSpPr>
-          <p:nvPr>
-            <p:ph type="ftr" sz="quarter" idx="11"/>
-          </p:nvPr>
-        </p:nvSpPr>
-        <p:spPr/>
-        <p:txBody>
-          <a:bodyPr/>
-          <a:lstStyle/>
-          <a:p>
-            <a:r>
-              <a:rPr lang="en-US" smtClean="0"/>
-              <a:t>© Copyright 2020 FOUNDATION FOR RESEARCH &amp; TECHNOLOGY - HELLAS, All rights reserved</a:t>
-            </a:r>
-            <a:endParaRPr lang="en-US"/>
-          </a:p>
-        </p:txBody>
-      </p:sp>
-      <p:sp>
-        <p:nvSpPr>
-          <p:cNvPr id="11" name="Slide Number Placeholder 10"/>
-          <p:cNvSpPr>
-            <a:spLocks noGrp="1"/>
-          </p:cNvSpPr>
-          <p:nvPr>
-            <p:ph type="sldNum" sz="quarter" idx="12"/>
-          </p:nvPr>
-        </p:nvSpPr>
-        <p:spPr/>
-        <p:txBody>
-          <a:bodyPr/>
-          <a:lstStyle/>
-          <a:p>
-            <a:fld id="{784F2D9E-80D2-41DD-932E-4D090CAEEB74}" type="slidenum">
-              <a:rPr lang="en-US" smtClean="0"/>
-              <a:t>4</a:t>
-            </a:fld>
-            <a:endParaRPr lang="en-US"/>
+          <a:bodyPr>
+            <a:noAutofit/>
+          </a:bodyPr>
+          <a:lstStyle/>
+          <a:p>
+            <a:r>
+              <a:rPr lang="en-US" sz="2400" dirty="0" err="1" smtClean="0"/>
+              <a:t>RDFsim</a:t>
+            </a:r>
+            <a:r>
+              <a:rPr lang="en-US" sz="2400" dirty="0" smtClean="0"/>
+              <a:t> takes as configuration an RDF Database, and downloads the desired triples in N-triple format, i.e. </a:t>
+            </a:r>
+            <a:r>
+              <a:rPr lang="en-US" sz="2400" dirty="0" err="1" smtClean="0"/>
+              <a:t>s,p,o</a:t>
+            </a:r>
+            <a:r>
+              <a:rPr lang="en-US" sz="2400" dirty="0" smtClean="0"/>
+              <a:t> …</a:t>
+            </a:r>
+          </a:p>
+          <a:p>
+            <a:r>
+              <a:rPr lang="en-US" sz="2400" dirty="0" smtClean="0"/>
+              <a:t>It uses NLP libraries that produce word </a:t>
+            </a:r>
+            <a:r>
+              <a:rPr lang="en-US" sz="2400" dirty="0" err="1" smtClean="0"/>
+              <a:t>embeddings</a:t>
+            </a:r>
+            <a:r>
+              <a:rPr lang="en-US" sz="2400" dirty="0" smtClean="0"/>
+              <a:t> (current: word2vec, future: BERT). After the N-triple format is saved to a file, it is given as an input to the aforementioned library, in order to produce word </a:t>
+            </a:r>
+            <a:r>
+              <a:rPr lang="en-US" sz="2400" dirty="0" err="1" smtClean="0"/>
+              <a:t>embeddings</a:t>
+            </a:r>
+            <a:r>
+              <a:rPr lang="en-US" sz="2400" dirty="0" smtClean="0"/>
+              <a:t>: This means that every entity (every URI) will be mapped to a vector of a multidimensional vector space. </a:t>
+            </a:r>
+          </a:p>
+          <a:p>
+            <a:r>
+              <a:rPr lang="en-US" sz="2400" dirty="0" smtClean="0"/>
+              <a:t>As these libraries exploit pre-trained neural networks, we suppose that based on the context of the input file, entities that are semantically similar will be mapped to closer vectors in out vector space. </a:t>
+            </a:r>
+            <a:r>
+              <a:rPr lang="en-US" sz="2400" dirty="0" err="1" smtClean="0"/>
+              <a:t>Eg</a:t>
+            </a:r>
+            <a:r>
+              <a:rPr lang="en-US" sz="2400" dirty="0" smtClean="0"/>
+              <a:t>, if the input file contains the following triples: Aristotle, type, Philosopher – Socrates, type, </a:t>
+            </a:r>
+            <a:r>
+              <a:rPr lang="en-US" sz="2400" dirty="0"/>
+              <a:t>Philosopher</a:t>
+            </a:r>
+            <a:r>
+              <a:rPr lang="en-US" sz="2400" dirty="0" smtClean="0"/>
+              <a:t> – Inception, type, Movie, we expect that the vectors of Aristotle and Socrates (which are both philosophers) will be closer in the vector space regarding the vector of Inception.</a:t>
+            </a:r>
+          </a:p>
+          <a:p>
+            <a:r>
+              <a:rPr lang="en-US" sz="2400" dirty="0" smtClean="0"/>
+              <a:t>This way, we can determine the TOP-K similar entities of a given entity by retrieving the closest vectors in the vector space, and provide similarity based browsing.</a:t>
+            </a:r>
+          </a:p>
+          <a:p>
+            <a:endParaRPr lang="en-US" sz="2400" dirty="0"/>
           </a:p>
         </p:txBody>
       </p:sp>
     </p:spTree>
     <p:extLst>
       <p:ext uri="{BB962C8B-B14F-4D97-AF65-F5344CB8AC3E}">
-        <p14:creationId xmlns:p14="http://schemas.microsoft.com/office/powerpoint/2010/main" val="2262196248"/>
+        <p14:creationId xmlns:p14="http://schemas.microsoft.com/office/powerpoint/2010/main" val="3295320934"/>
       </p:ext>
     </p:extLst>
   </p:cSld>
   <p:clrMapOvr>
     <a:masterClrMapping/>
   </p:clrMapOvr>
-  <p:timing>
-    <p:tnLst>
-      <p:par>
-        <p:cTn id="1" dur="indefinite" restart="never" nodeType="tmRoot"/>
-      </p:par>
-    </p:tnLst>
-  </p:timing>
 </p:sld>
 </file>
 
@@ -4399,41 +4285,10 @@
             <p:ph type="title"/>
           </p:nvPr>
         </p:nvSpPr>
-        <p:spPr/>
-        <p:txBody>
-          <a:bodyPr/>
-          <a:lstStyle/>
-          <a:p>
-            <a:r>
-              <a:rPr lang="en-US" dirty="0" smtClean="0"/>
-              <a:t>How does </a:t>
-            </a:r>
-            <a:r>
-              <a:rPr lang="en-US" dirty="0" err="1" smtClean="0"/>
-              <a:t>RDFsim</a:t>
-            </a:r>
-            <a:r>
-              <a:rPr lang="en-US" dirty="0" smtClean="0"/>
-              <a:t> work (in simple terms)</a:t>
-            </a:r>
-            <a:endParaRPr lang="en-US" dirty="0"/>
-          </a:p>
-        </p:txBody>
-      </p:sp>
-      <p:sp>
-        <p:nvSpPr>
-          <p:cNvPr id="3" name="Content Placeholder 2"/>
-          <p:cNvSpPr>
-            <a:spLocks noGrp="1"/>
-          </p:cNvSpPr>
-          <p:nvPr>
-            <p:ph idx="1"/>
-          </p:nvPr>
-        </p:nvSpPr>
         <p:spPr>
           <a:xfrm>
-            <a:off x="838200" y="1825625"/>
-            <a:ext cx="10892692" cy="3254376"/>
+            <a:off x="838200" y="145319"/>
+            <a:ext cx="10515600" cy="689952"/>
           </a:xfrm>
         </p:spPr>
         <p:txBody>
@@ -4443,325 +4298,365 @@
           <a:lstStyle/>
           <a:p>
             <a:r>
-              <a:rPr lang="en-US" dirty="0" err="1" smtClean="0"/>
-              <a:t>RDFsim</a:t>
-            </a:r>
+              <a:rPr lang="en-US" sz="3600" dirty="0" smtClean="0"/>
+              <a:t>Examples (UI and functions)</a:t>
+            </a:r>
+            <a:endParaRPr lang="en-US" sz="3600" dirty="0"/>
+          </a:p>
+        </p:txBody>
+      </p:sp>
+      <p:sp>
+        <p:nvSpPr>
+          <p:cNvPr id="4" name="TextBox 3"/>
+          <p:cNvSpPr txBox="1"/>
+          <p:nvPr/>
+        </p:nvSpPr>
+        <p:spPr>
+          <a:xfrm>
+            <a:off x="6339254" y="365126"/>
+            <a:ext cx="4563210" cy="584775"/>
+          </a:xfrm>
+          <a:prstGeom prst="rect">
+            <a:avLst/>
+          </a:prstGeom>
+          <a:noFill/>
+        </p:spPr>
+        <p:txBody>
+          <a:bodyPr wrap="square" rtlCol="0">
+            <a:spAutoFit/>
+          </a:bodyPr>
+          <a:lstStyle/>
+          <a:p>
+            <a:r>
+              <a:rPr lang="en-US" sz="1600" dirty="0" smtClean="0"/>
+              <a:t>Dataset: ~40k triples of philosophers from </a:t>
+            </a:r>
+            <a:r>
+              <a:rPr lang="en-US" sz="1600" dirty="0" err="1" smtClean="0"/>
+              <a:t>Dbpedia</a:t>
+            </a:r>
+            <a:r>
+              <a:rPr lang="en-US" sz="1600" dirty="0" smtClean="0"/>
+              <a:t>.</a:t>
+            </a:r>
+          </a:p>
+          <a:p>
+            <a:endParaRPr lang="en-US" sz="1600" dirty="0"/>
+          </a:p>
+        </p:txBody>
+      </p:sp>
+      <p:pic>
+        <p:nvPicPr>
+          <p:cNvPr id="5" name="Picture 4"/>
+          <p:cNvPicPr>
+            <a:picLocks noChangeAspect="1"/>
+          </p:cNvPicPr>
+          <p:nvPr/>
+        </p:nvPicPr>
+        <p:blipFill>
+          <a:blip r:embed="rId2"/>
+          <a:stretch>
+            <a:fillRect/>
+          </a:stretch>
+        </p:blipFill>
+        <p:spPr>
+          <a:xfrm>
+            <a:off x="3545398" y="1350795"/>
+            <a:ext cx="3972916" cy="1703236"/>
+          </a:xfrm>
+          <a:prstGeom prst="rect">
+            <a:avLst/>
+          </a:prstGeom>
+        </p:spPr>
+      </p:pic>
+      <p:pic>
+        <p:nvPicPr>
+          <p:cNvPr id="6" name="Picture 5"/>
+          <p:cNvPicPr>
+            <a:picLocks noChangeAspect="1"/>
+          </p:cNvPicPr>
+          <p:nvPr/>
+        </p:nvPicPr>
+        <p:blipFill>
+          <a:blip r:embed="rId3"/>
+          <a:stretch>
+            <a:fillRect/>
+          </a:stretch>
+        </p:blipFill>
+        <p:spPr>
+          <a:xfrm>
+            <a:off x="525763" y="3965331"/>
+            <a:ext cx="3063248" cy="2651416"/>
+          </a:xfrm>
+          <a:prstGeom prst="rect">
+            <a:avLst/>
+          </a:prstGeom>
+        </p:spPr>
+      </p:pic>
+      <p:sp>
+        <p:nvSpPr>
+          <p:cNvPr id="7" name="Right Arrow 6"/>
+          <p:cNvSpPr/>
+          <p:nvPr/>
+        </p:nvSpPr>
+        <p:spPr>
+          <a:xfrm rot="10800000">
+            <a:off x="3695282" y="2327298"/>
+            <a:ext cx="560205" cy="138146"/>
+          </a:xfrm>
+          <a:prstGeom prst="rightArrow">
+            <a:avLst/>
+          </a:prstGeom>
+        </p:spPr>
+        <p:style>
+          <a:lnRef idx="3">
+            <a:schemeClr val="lt1"/>
+          </a:lnRef>
+          <a:fillRef idx="1">
+            <a:schemeClr val="dk1"/>
+          </a:fillRef>
+          <a:effectRef idx="1">
+            <a:schemeClr val="dk1"/>
+          </a:effectRef>
+          <a:fontRef idx="minor">
+            <a:schemeClr val="lt1"/>
+          </a:fontRef>
+        </p:style>
+        <p:txBody>
+          <a:bodyPr rtlCol="0" anchor="ctr"/>
+          <a:lstStyle/>
+          <a:p>
+            <a:pPr algn="ctr"/>
+            <a:endParaRPr lang="en-US"/>
+          </a:p>
+        </p:txBody>
+      </p:sp>
+      <p:pic>
+        <p:nvPicPr>
+          <p:cNvPr id="8" name="Picture 7"/>
+          <p:cNvPicPr>
+            <a:picLocks noChangeAspect="1"/>
+          </p:cNvPicPr>
+          <p:nvPr/>
+        </p:nvPicPr>
+        <p:blipFill>
+          <a:blip r:embed="rId4"/>
+          <a:stretch>
+            <a:fillRect/>
+          </a:stretch>
+        </p:blipFill>
+        <p:spPr>
+          <a:xfrm>
+            <a:off x="231947" y="924639"/>
+            <a:ext cx="3463335" cy="2488221"/>
+          </a:xfrm>
+          <a:prstGeom prst="rect">
+            <a:avLst/>
+          </a:prstGeom>
+        </p:spPr>
+      </p:pic>
+      <p:pic>
+        <p:nvPicPr>
+          <p:cNvPr id="9" name="Picture 8"/>
+          <p:cNvPicPr>
+            <a:picLocks noChangeAspect="1"/>
+          </p:cNvPicPr>
+          <p:nvPr/>
+        </p:nvPicPr>
+        <p:blipFill>
+          <a:blip r:embed="rId5"/>
+          <a:stretch>
+            <a:fillRect/>
+          </a:stretch>
+        </p:blipFill>
+        <p:spPr>
+          <a:xfrm>
+            <a:off x="7881004" y="924639"/>
+            <a:ext cx="3488242" cy="2309483"/>
+          </a:xfrm>
+          <a:prstGeom prst="rect">
+            <a:avLst/>
+          </a:prstGeom>
+        </p:spPr>
+      </p:pic>
+      <p:pic>
+        <p:nvPicPr>
+          <p:cNvPr id="10" name="Picture 9"/>
+          <p:cNvPicPr>
+            <a:picLocks noChangeAspect="1"/>
+          </p:cNvPicPr>
+          <p:nvPr/>
+        </p:nvPicPr>
+        <p:blipFill>
+          <a:blip r:embed="rId6"/>
+          <a:stretch>
+            <a:fillRect/>
+          </a:stretch>
+        </p:blipFill>
+        <p:spPr>
+          <a:xfrm>
+            <a:off x="6242539" y="3926581"/>
+            <a:ext cx="4426458" cy="2346163"/>
+          </a:xfrm>
+          <a:prstGeom prst="rect">
+            <a:avLst/>
+          </a:prstGeom>
+        </p:spPr>
+      </p:pic>
+      <p:sp>
+        <p:nvSpPr>
+          <p:cNvPr id="11" name="Right Arrow 10"/>
+          <p:cNvSpPr/>
+          <p:nvPr/>
+        </p:nvSpPr>
+        <p:spPr>
+          <a:xfrm rot="8473238">
+            <a:off x="2811916" y="3563185"/>
+            <a:ext cx="3090013" cy="126458"/>
+          </a:xfrm>
+          <a:prstGeom prst="rightArrow">
+            <a:avLst/>
+          </a:prstGeom>
+        </p:spPr>
+        <p:style>
+          <a:lnRef idx="3">
+            <a:schemeClr val="lt1"/>
+          </a:lnRef>
+          <a:fillRef idx="1">
+            <a:schemeClr val="dk1"/>
+          </a:fillRef>
+          <a:effectRef idx="1">
+            <a:schemeClr val="dk1"/>
+          </a:effectRef>
+          <a:fontRef idx="minor">
+            <a:schemeClr val="lt1"/>
+          </a:fontRef>
+        </p:style>
+        <p:txBody>
+          <a:bodyPr rtlCol="0" anchor="ctr"/>
+          <a:lstStyle/>
+          <a:p>
+            <a:pPr algn="ctr"/>
+            <a:endParaRPr lang="en-US"/>
+          </a:p>
+        </p:txBody>
+      </p:sp>
+      <p:sp>
+        <p:nvSpPr>
+          <p:cNvPr id="12" name="Right Arrow 11"/>
+          <p:cNvSpPr/>
+          <p:nvPr/>
+        </p:nvSpPr>
+        <p:spPr>
+          <a:xfrm>
+            <a:off x="6993879" y="2342662"/>
+            <a:ext cx="887125" cy="122784"/>
+          </a:xfrm>
+          <a:prstGeom prst="rightArrow">
+            <a:avLst/>
+          </a:prstGeom>
+        </p:spPr>
+        <p:style>
+          <a:lnRef idx="3">
+            <a:schemeClr val="lt1"/>
+          </a:lnRef>
+          <a:fillRef idx="1">
+            <a:schemeClr val="dk1"/>
+          </a:fillRef>
+          <a:effectRef idx="1">
+            <a:schemeClr val="dk1"/>
+          </a:effectRef>
+          <a:fontRef idx="minor">
+            <a:schemeClr val="lt1"/>
+          </a:fontRef>
+        </p:style>
+        <p:txBody>
+          <a:bodyPr rtlCol="0" anchor="ctr"/>
+          <a:lstStyle/>
+          <a:p>
+            <a:pPr algn="ctr"/>
+            <a:endParaRPr lang="en-US"/>
+          </a:p>
+        </p:txBody>
+      </p:sp>
+      <p:sp>
+        <p:nvSpPr>
+          <p:cNvPr id="13" name="Right Arrow 12"/>
+          <p:cNvSpPr/>
+          <p:nvPr/>
+        </p:nvSpPr>
+        <p:spPr>
+          <a:xfrm rot="2930168">
+            <a:off x="5850460" y="3330324"/>
+            <a:ext cx="1979909" cy="142731"/>
+          </a:xfrm>
+          <a:prstGeom prst="rightArrow">
+            <a:avLst/>
+          </a:prstGeom>
+        </p:spPr>
+        <p:style>
+          <a:lnRef idx="3">
+            <a:schemeClr val="lt1"/>
+          </a:lnRef>
+          <a:fillRef idx="1">
+            <a:schemeClr val="dk1"/>
+          </a:fillRef>
+          <a:effectRef idx="1">
+            <a:schemeClr val="dk1"/>
+          </a:effectRef>
+          <a:fontRef idx="minor">
+            <a:schemeClr val="lt1"/>
+          </a:fontRef>
+        </p:style>
+        <p:txBody>
+          <a:bodyPr rtlCol="0" anchor="ctr"/>
+          <a:lstStyle/>
+          <a:p>
+            <a:pPr algn="ctr"/>
+            <a:endParaRPr lang="en-US"/>
+          </a:p>
+        </p:txBody>
+      </p:sp>
+      <p:sp>
+        <p:nvSpPr>
+          <p:cNvPr id="14" name="TextBox 13"/>
+          <p:cNvSpPr txBox="1"/>
+          <p:nvPr/>
+        </p:nvSpPr>
+        <p:spPr>
+          <a:xfrm>
+            <a:off x="3844086" y="6088078"/>
+            <a:ext cx="2143377" cy="369332"/>
+          </a:xfrm>
+          <a:prstGeom prst="rect">
+            <a:avLst/>
+          </a:prstGeom>
+          <a:noFill/>
+        </p:spPr>
+        <p:txBody>
+          <a:bodyPr wrap="square" rtlCol="0">
+            <a:spAutoFit/>
+          </a:bodyPr>
+          <a:lstStyle/>
+          <a:p>
             <a:r>
               <a:rPr lang="en-US" dirty="0" smtClean="0"/>
-              <a:t> takes as a configuration an RDF database and downloads its data in RDF </a:t>
-            </a:r>
-            <a:r>
-              <a:rPr lang="en-US" dirty="0" err="1" smtClean="0"/>
-              <a:t>Ntriple</a:t>
-            </a:r>
-            <a:r>
-              <a:rPr lang="en-US" dirty="0" smtClean="0"/>
-              <a:t> format (</a:t>
-            </a:r>
-            <a:r>
-              <a:rPr lang="en-US" dirty="0" err="1" smtClean="0"/>
-              <a:t>s,p,o</a:t>
-            </a:r>
-            <a:r>
-              <a:rPr lang="en-US" dirty="0" smtClean="0"/>
-              <a:t> …. )</a:t>
-            </a:r>
-          </a:p>
-          <a:p>
-            <a:r>
-              <a:rPr lang="en-US" dirty="0" smtClean="0"/>
-              <a:t>It loads the </a:t>
-            </a:r>
-            <a:r>
-              <a:rPr lang="en-US" dirty="0" err="1" smtClean="0"/>
-              <a:t>Ntriple</a:t>
-            </a:r>
-            <a:r>
-              <a:rPr lang="en-US" dirty="0" smtClean="0"/>
-              <a:t> file to an NPL library (w2v (currently), </a:t>
-            </a:r>
-            <a:r>
-              <a:rPr lang="en-US" dirty="0" err="1" smtClean="0"/>
-              <a:t>bert</a:t>
-            </a:r>
-            <a:r>
-              <a:rPr lang="en-US" dirty="0" smtClean="0"/>
-              <a:t> (future)…) in order to produce </a:t>
-            </a:r>
-            <a:r>
-              <a:rPr lang="en-US" b="1" dirty="0" smtClean="0"/>
-              <a:t>word </a:t>
-            </a:r>
-            <a:r>
-              <a:rPr lang="en-US" b="1" dirty="0" err="1" smtClean="0"/>
-              <a:t>embeddings</a:t>
-            </a:r>
-            <a:r>
-              <a:rPr lang="en-US" b="1" dirty="0" smtClean="0"/>
-              <a:t>:</a:t>
-            </a:r>
-          </a:p>
-          <a:p>
-            <a:pPr marL="457200" lvl="1" indent="0">
-              <a:buNone/>
-            </a:pPr>
-            <a:r>
-              <a:rPr lang="en-US" dirty="0" smtClean="0"/>
-              <a:t>This means that every entity is transformed into a vector (in a multidimensional vector space), and if two entities are semantically similar, their vectors are similar too e.g. for the triples: Aristotle </a:t>
-            </a:r>
-            <a:r>
-              <a:rPr lang="en-US" dirty="0" err="1" smtClean="0"/>
-              <a:t>bornIn</a:t>
-            </a:r>
-            <a:r>
-              <a:rPr lang="en-US" dirty="0" smtClean="0"/>
-              <a:t> Greece, Socrates </a:t>
-            </a:r>
-            <a:r>
-              <a:rPr lang="en-US" dirty="0" err="1" smtClean="0"/>
-              <a:t>bornIn</a:t>
-            </a:r>
-            <a:r>
-              <a:rPr lang="en-US" dirty="0" smtClean="0"/>
-              <a:t> Greece, X </a:t>
-            </a:r>
-            <a:r>
-              <a:rPr lang="en-US" dirty="0" err="1" smtClean="0"/>
-              <a:t>bornIn</a:t>
-            </a:r>
-            <a:r>
-              <a:rPr lang="en-US" dirty="0" smtClean="0"/>
-              <a:t> Italy, we expect that Aristotle’s vector will be similar to Socrates, and not X.</a:t>
-            </a:r>
-          </a:p>
-          <a:p>
-            <a:pPr marL="457200" lvl="1" indent="0">
-              <a:buNone/>
-            </a:pPr>
-            <a:endParaRPr lang="en-US" dirty="0" smtClean="0"/>
-          </a:p>
-          <a:p>
-            <a:pPr marL="457200" lvl="1" indent="0">
-              <a:buNone/>
-            </a:pPr>
+              <a:t>Try this at: XXX</a:t>
+            </a:r>
             <a:endParaRPr lang="en-US" dirty="0"/>
-          </a:p>
-        </p:txBody>
-      </p:sp>
-      <p:sp>
-        <p:nvSpPr>
-          <p:cNvPr id="4" name="Footer Placeholder 3"/>
-          <p:cNvSpPr>
-            <a:spLocks noGrp="1"/>
-          </p:cNvSpPr>
-          <p:nvPr>
-            <p:ph type="ftr" sz="quarter" idx="11"/>
-          </p:nvPr>
-        </p:nvSpPr>
-        <p:spPr/>
-        <p:txBody>
-          <a:bodyPr/>
-          <a:lstStyle/>
-          <a:p>
-            <a:r>
-              <a:rPr lang="en-US" smtClean="0"/>
-              <a:t>© Copyright 2020 FOUNDATION FOR RESEARCH &amp; TECHNOLOGY - HELLAS, All rights reserved</a:t>
-            </a:r>
-            <a:endParaRPr lang="en-US"/>
-          </a:p>
-        </p:txBody>
-      </p:sp>
-      <p:sp>
-        <p:nvSpPr>
-          <p:cNvPr id="5" name="Slide Number Placeholder 4"/>
-          <p:cNvSpPr>
-            <a:spLocks noGrp="1"/>
-          </p:cNvSpPr>
-          <p:nvPr>
-            <p:ph type="sldNum" sz="quarter" idx="12"/>
-          </p:nvPr>
-        </p:nvSpPr>
-        <p:spPr/>
-        <p:txBody>
-          <a:bodyPr/>
-          <a:lstStyle/>
-          <a:p>
-            <a:fld id="{784F2D9E-80D2-41DD-932E-4D090CAEEB74}" type="slidenum">
-              <a:rPr lang="en-US" smtClean="0"/>
-              <a:t>5</a:t>
-            </a:fld>
-            <a:endParaRPr lang="en-US"/>
           </a:p>
         </p:txBody>
       </p:sp>
     </p:spTree>
     <p:extLst>
       <p:ext uri="{BB962C8B-B14F-4D97-AF65-F5344CB8AC3E}">
-        <p14:creationId xmlns:p14="http://schemas.microsoft.com/office/powerpoint/2010/main" val="539847548"/>
+        <p14:creationId xmlns:p14="http://schemas.microsoft.com/office/powerpoint/2010/main" val="3244712690"/>
       </p:ext>
     </p:extLst>
   </p:cSld>
   <p:clrMapOvr>
     <a:masterClrMapping/>
   </p:clrMapOvr>
-  <p:timing>
-    <p:tnLst>
-      <p:par>
-        <p:cTn id="1" dur="indefinite" restart="never" nodeType="tmRoot"/>
-      </p:par>
-    </p:tnLst>
-  </p:timing>
-</p:sld>
-</file>
-
-<file path=ppt/slides/slide6.xml><?xml version="1.0" encoding="utf-8"?>
-<p:sld xmlns:a="http://schemas.openxmlformats.org/drawingml/2006/main" xmlns:r="http://schemas.openxmlformats.org/officeDocument/2006/relationships" xmlns:p="http://schemas.openxmlformats.org/presentationml/2006/main">
-  <p:cSld>
-    <p:spTree>
-      <p:nvGrpSpPr>
-        <p:cNvPr id="1" name=""/>
-        <p:cNvGrpSpPr/>
-        <p:nvPr/>
-      </p:nvGrpSpPr>
-      <p:grpSpPr>
-        <a:xfrm>
-          <a:off x="0" y="0"/>
-          <a:ext cx="0" cy="0"/>
-          <a:chOff x="0" y="0"/>
-          <a:chExt cx="0" cy="0"/>
-        </a:xfrm>
-      </p:grpSpPr>
-      <p:sp>
-        <p:nvSpPr>
-          <p:cNvPr id="2" name="Title 1"/>
-          <p:cNvSpPr>
-            <a:spLocks noGrp="1"/>
-          </p:cNvSpPr>
-          <p:nvPr>
-            <p:ph type="title"/>
-          </p:nvPr>
-        </p:nvSpPr>
-        <p:spPr/>
-        <p:txBody>
-          <a:bodyPr/>
-          <a:lstStyle/>
-          <a:p>
-            <a:r>
-              <a:rPr lang="en-US" dirty="0" smtClean="0"/>
-              <a:t>How does </a:t>
-            </a:r>
-            <a:r>
-              <a:rPr lang="en-US" dirty="0" err="1" smtClean="0"/>
-              <a:t>RDFsim</a:t>
-            </a:r>
-            <a:r>
-              <a:rPr lang="en-US" dirty="0" smtClean="0"/>
-              <a:t> work (in simple terms) [2]</a:t>
-            </a:r>
-            <a:endParaRPr lang="en-US" dirty="0"/>
-          </a:p>
-        </p:txBody>
-      </p:sp>
-      <p:sp>
-        <p:nvSpPr>
-          <p:cNvPr id="3" name="Content Placeholder 2"/>
-          <p:cNvSpPr>
-            <a:spLocks noGrp="1"/>
-          </p:cNvSpPr>
-          <p:nvPr>
-            <p:ph idx="1"/>
-          </p:nvPr>
-        </p:nvSpPr>
-        <p:spPr/>
-        <p:txBody>
-          <a:bodyPr/>
-          <a:lstStyle/>
-          <a:p>
-            <a:r>
-              <a:rPr lang="en-US" dirty="0" smtClean="0"/>
-              <a:t>It exploits the </a:t>
-            </a:r>
-            <a:r>
-              <a:rPr lang="en-US" dirty="0" err="1" smtClean="0"/>
-              <a:t>embeddings</a:t>
-            </a:r>
-            <a:r>
-              <a:rPr lang="en-US" dirty="0" smtClean="0"/>
-              <a:t> to find similar entities to the given one.</a:t>
-            </a:r>
-          </a:p>
-          <a:p>
-            <a:r>
-              <a:rPr lang="en-US" dirty="0" smtClean="0"/>
-              <a:t>It offers a basic User Interface so that the users can interact easily and efficiently with it.</a:t>
-            </a:r>
-            <a:endParaRPr lang="en-US" dirty="0"/>
-          </a:p>
-        </p:txBody>
-      </p:sp>
-      <p:sp>
-        <p:nvSpPr>
-          <p:cNvPr id="4" name="Footer Placeholder 3"/>
-          <p:cNvSpPr>
-            <a:spLocks noGrp="1"/>
-          </p:cNvSpPr>
-          <p:nvPr>
-            <p:ph type="ftr" sz="quarter" idx="11"/>
-          </p:nvPr>
-        </p:nvSpPr>
-        <p:spPr/>
-        <p:txBody>
-          <a:bodyPr/>
-          <a:lstStyle/>
-          <a:p>
-            <a:r>
-              <a:rPr lang="en-US" smtClean="0"/>
-              <a:t>© Copyright 2020 FOUNDATION FOR RESEARCH &amp; TECHNOLOGY - HELLAS, All rights reserved</a:t>
-            </a:r>
-            <a:endParaRPr lang="en-US"/>
-          </a:p>
-        </p:txBody>
-      </p:sp>
-      <p:sp>
-        <p:nvSpPr>
-          <p:cNvPr id="5" name="Slide Number Placeholder 4"/>
-          <p:cNvSpPr>
-            <a:spLocks noGrp="1"/>
-          </p:cNvSpPr>
-          <p:nvPr>
-            <p:ph type="sldNum" sz="quarter" idx="12"/>
-          </p:nvPr>
-        </p:nvSpPr>
-        <p:spPr/>
-        <p:txBody>
-          <a:bodyPr/>
-          <a:lstStyle/>
-          <a:p>
-            <a:fld id="{784F2D9E-80D2-41DD-932E-4D090CAEEB74}" type="slidenum">
-              <a:rPr lang="en-US" smtClean="0"/>
-              <a:t>6</a:t>
-            </a:fld>
-            <a:endParaRPr lang="en-US"/>
-          </a:p>
-        </p:txBody>
-      </p:sp>
-    </p:spTree>
-    <p:extLst>
-      <p:ext uri="{BB962C8B-B14F-4D97-AF65-F5344CB8AC3E}">
-        <p14:creationId xmlns:p14="http://schemas.microsoft.com/office/powerpoint/2010/main" val="2567102524"/>
-      </p:ext>
-    </p:extLst>
-  </p:cSld>
-  <p:clrMapOvr>
-    <a:masterClrMapping/>
-  </p:clrMapOvr>
-  <p:timing>
-    <p:tnLst>
-      <p:par>
-        <p:cTn id="1" dur="indefinite" restart="never" nodeType="tmRoot"/>
-      </p:par>
-    </p:tnLst>
-  </p:timing>
 </p:sld>
 </file>
 

--- a/RDFsim/presentation/RDFsim.pptx
+++ b/RDFsim/presentation/RDFsim.pptx
@@ -201,7 +201,7 @@
           <a:p>
             <a:fld id="{AECF9573-B29D-4BB9-BF41-21DEB6A33DE1}" type="datetimeFigureOut">
               <a:rPr lang="en-US" smtClean="0"/>
-              <a:t>7/26/2021</a:t>
+              <a:t>7/27/2021</a:t>
             </a:fld>
             <a:endParaRPr lang="en-US"/>
           </a:p>
@@ -3493,11 +3493,7 @@
           <a:p>
             <a:r>
               <a:rPr lang="en-US" dirty="0" smtClean="0"/>
-              <a:t>Manos </a:t>
-            </a:r>
-            <a:r>
-              <a:rPr lang="en-US" dirty="0" smtClean="0"/>
-              <a:t>Chatzakis (chatzakis@ics.forth.gr)</a:t>
+              <a:t>Manos Chatzakis (chatzakis@ics.forth.gr)</a:t>
             </a:r>
             <a:endParaRPr lang="en-US" dirty="0"/>
           </a:p>
@@ -3807,7 +3803,7 @@
         <p:spPr>
           <a:xfrm>
             <a:off x="838200" y="1245331"/>
-            <a:ext cx="10515600" cy="5190637"/>
+            <a:ext cx="10515600" cy="5397746"/>
           </a:xfrm>
         </p:spPr>
         <p:txBody>
@@ -3817,37 +3813,37 @@
           <a:lstStyle/>
           <a:p>
             <a:r>
-              <a:rPr lang="en-US" sz="2400" dirty="0" smtClean="0"/>
+              <a:rPr lang="en-US" sz="2000" dirty="0" smtClean="0"/>
               <a:t>Browsing is one of the most important actions of the web.</a:t>
             </a:r>
           </a:p>
           <a:p>
             <a:r>
-              <a:rPr lang="en-US" sz="2400" dirty="0" smtClean="0"/>
+              <a:rPr lang="en-US" sz="2000" dirty="0" smtClean="0"/>
               <a:t>RDF Databases/Knowledge graph containing lots of useful information (As RDF format is really good at expressing information).</a:t>
             </a:r>
           </a:p>
           <a:p>
             <a:r>
-              <a:rPr lang="en-US" sz="2400" dirty="0" smtClean="0"/>
+              <a:rPr lang="en-US" sz="2000" dirty="0" smtClean="0"/>
               <a:t>Are there user friendly/easy ways to browse the data of an RDF database?</a:t>
             </a:r>
           </a:p>
           <a:p>
             <a:r>
-              <a:rPr lang="en-US" sz="2400" dirty="0" smtClean="0"/>
+              <a:rPr lang="en-US" sz="2000" dirty="0" smtClean="0"/>
               <a:t>Simple users are unfamiliar with the Semantic Web concepts.</a:t>
             </a:r>
           </a:p>
           <a:p>
             <a:r>
-              <a:rPr lang="en-US" sz="2400" dirty="0" smtClean="0"/>
+              <a:rPr lang="en-US" sz="2000" dirty="0" smtClean="0"/>
               <a:t>Should we explore different ways to retrieve information, considering classic I.R. (information retrieval) methods?</a:t>
             </a:r>
           </a:p>
           <a:p>
             <a:r>
-              <a:rPr lang="en-US" sz="2400" dirty="0" smtClean="0">
+              <a:rPr lang="en-US" sz="2000" dirty="0" smtClean="0">
                 <a:solidFill>
                   <a:srgbClr val="FF0000"/>
                 </a:solidFill>
@@ -3858,44 +3854,85 @@
           <a:p>
             <a:pPr lvl="1"/>
             <a:r>
-              <a:rPr lang="en-US" sz="2000" dirty="0" smtClean="0">
+              <a:rPr lang="en-US" sz="1800" dirty="0" smtClean="0">
                 <a:solidFill>
                   <a:srgbClr val="FF0000"/>
                 </a:solidFill>
               </a:rPr>
-              <a:t>RDF Databases/Knowledge Graphs</a:t>
-            </a:r>
-          </a:p>
-          <a:p>
-            <a:pPr lvl="1"/>
-            <a:r>
-              <a:rPr lang="en-US" sz="2000" dirty="0" smtClean="0">
+              <a:t>Knowledge </a:t>
+            </a:r>
+            <a:r>
+              <a:rPr lang="en-US" sz="1800" dirty="0" smtClean="0">
                 <a:solidFill>
                   <a:srgbClr val="FF0000"/>
                 </a:solidFill>
               </a:rPr>
-              <a:t>RDF Triples</a:t>
-            </a:r>
-          </a:p>
-          <a:p>
-            <a:pPr lvl="1"/>
-            <a:r>
-              <a:rPr lang="en-US" sz="2000" dirty="0" smtClean="0">
+              <a:t>Graph</a:t>
+            </a:r>
+            <a:r>
+              <a:rPr lang="en-US" sz="1800" dirty="0" smtClean="0">
                 <a:solidFill>
                   <a:srgbClr val="FF0000"/>
                 </a:solidFill>
               </a:rPr>
-              <a:t>Natural Language Processing (NLP)/Word </a:t>
-            </a:r>
-            <a:r>
-              <a:rPr lang="en-US" sz="2000" dirty="0" err="1" smtClean="0">
+              <a:t>: </a:t>
+            </a:r>
+            <a:r>
+              <a:rPr lang="en-US" sz="1800" dirty="0" smtClean="0"/>
+              <a:t>Networks that contain entities and visualize the relationships among them (e.g. Google Knowledge Graph, </a:t>
+            </a:r>
+            <a:r>
+              <a:rPr lang="en-US" sz="1800" dirty="0" err="1" smtClean="0"/>
+              <a:t>Dbpedia</a:t>
+            </a:r>
+            <a:r>
+              <a:rPr lang="en-US" sz="1800" dirty="0" smtClean="0"/>
+              <a:t> and more…)</a:t>
+            </a:r>
+            <a:endParaRPr lang="en-US" sz="1800" dirty="0" smtClean="0">
+              <a:solidFill>
+                <a:srgbClr val="FF0000"/>
+              </a:solidFill>
+            </a:endParaRPr>
+          </a:p>
+          <a:p>
+            <a:pPr lvl="1"/>
+            <a:r>
+              <a:rPr lang="en-US" sz="1800" dirty="0" smtClean="0">
                 <a:solidFill>
                   <a:srgbClr val="FF0000"/>
                 </a:solidFill>
               </a:rPr>
-              <a:t>Embeddings</a:t>
-            </a:r>
-            <a:endParaRPr lang="en-US" sz="2000" dirty="0" smtClean="0">
+              <a:t>RDF </a:t>
+            </a:r>
+            <a:r>
+              <a:rPr lang="en-US" sz="1800" dirty="0" smtClean="0">
+                <a:solidFill>
+                  <a:srgbClr val="FF0000"/>
+                </a:solidFill>
+              </a:rPr>
+              <a:t>Triple: </a:t>
+            </a:r>
+            <a:r>
+              <a:rPr lang="en-US" sz="1800" dirty="0" smtClean="0"/>
+              <a:t>A set of 3 entities, representing a sentence in subject-predicate-object format</a:t>
+            </a:r>
+          </a:p>
+          <a:p>
+            <a:pPr lvl="1"/>
+            <a:r>
+              <a:rPr lang="en-US" sz="1800" dirty="0" smtClean="0">
+                <a:solidFill>
+                  <a:srgbClr val="FF0000"/>
+                </a:solidFill>
+              </a:rPr>
+              <a:t>RDF Database: </a:t>
+            </a:r>
+            <a:r>
+              <a:rPr lang="en-US" sz="1800" dirty="0" smtClean="0"/>
+              <a:t>A database storing the triples of a knowledge graph</a:t>
+            </a:r>
+            <a:endParaRPr lang="en-US" sz="1800" dirty="0" smtClean="0">
               <a:solidFill>
                 <a:srgbClr val="FF0000"/>
               </a:solidFill>
@@ -3903,7 +3940,57 @@
           </a:p>
           <a:p>
             <a:pPr lvl="1"/>
-            <a:endParaRPr lang="en-US" sz="2000" dirty="0">
+            <a:r>
+              <a:rPr lang="en-US" sz="1800" dirty="0" smtClean="0">
+                <a:solidFill>
+                  <a:srgbClr val="FF0000"/>
+                </a:solidFill>
+              </a:rPr>
+              <a:t>Natural </a:t>
+            </a:r>
+            <a:r>
+              <a:rPr lang="en-US" sz="1800" dirty="0" smtClean="0">
+                <a:solidFill>
+                  <a:srgbClr val="FF0000"/>
+                </a:solidFill>
+              </a:rPr>
+              <a:t>Language Processing (NLP): </a:t>
+            </a:r>
+            <a:r>
+              <a:rPr lang="en-US" sz="1800" dirty="0" smtClean="0"/>
+              <a:t>The branch of AI that focuses on producing methods to make computers semantically understand the text (e.g. Speech Recognition, Sentiment analysis)</a:t>
+            </a:r>
+          </a:p>
+          <a:p>
+            <a:pPr lvl="2"/>
+            <a:r>
+              <a:rPr lang="en-US" sz="1400" dirty="0" smtClean="0">
+                <a:solidFill>
+                  <a:srgbClr val="FF0000"/>
+                </a:solidFill>
+              </a:rPr>
+              <a:t>Word Embedding: </a:t>
+            </a:r>
+            <a:r>
+              <a:rPr lang="en-US" sz="1400" dirty="0" smtClean="0"/>
+              <a:t>The task of mapping words into vector representations, with the aim of semantically similar words to be placed closer on the multidimensional space (i.e. their vectors to be similar)</a:t>
+            </a:r>
+            <a:r>
+              <a:rPr lang="en-US" sz="1400" dirty="0" smtClean="0">
+                <a:solidFill>
+                  <a:srgbClr val="FF0000"/>
+                </a:solidFill>
+              </a:rPr>
+              <a:t> </a:t>
+            </a:r>
+          </a:p>
+          <a:p>
+            <a:pPr lvl="2"/>
+            <a:endParaRPr lang="en-US" sz="1400" dirty="0" smtClean="0"/>
+          </a:p>
+          <a:p>
+            <a:pPr lvl="1"/>
+            <a:endParaRPr lang="en-US" sz="1800" dirty="0">
               <a:solidFill>
                 <a:srgbClr val="FF0000"/>
               </a:solidFill>
@@ -4002,66 +4089,88 @@
           <a:lstStyle/>
           <a:p>
             <a:r>
-              <a:rPr lang="en-US" sz="2400" dirty="0" err="1" smtClean="0"/>
+              <a:rPr lang="en-US" sz="2200" dirty="0" err="1" smtClean="0"/>
               <a:t>RDFsim</a:t>
             </a:r>
             <a:r>
-              <a:rPr lang="en-US" sz="2400" dirty="0" smtClean="0"/>
-              <a:t> is a web application designed to provide a UI for browsing on the data of an RDF database.</a:t>
-            </a:r>
-          </a:p>
-          <a:p>
-            <a:r>
-              <a:rPr lang="en-US" sz="2400" dirty="0" smtClean="0"/>
+              <a:rPr lang="en-US" sz="2200" dirty="0" smtClean="0"/>
+              <a:t> is a web application designed to provide a UI for browsing </a:t>
+            </a:r>
+            <a:r>
+              <a:rPr lang="en-US" sz="2200" dirty="0" smtClean="0"/>
+              <a:t>over</a:t>
+            </a:r>
+            <a:r>
+              <a:rPr lang="en-US" sz="2200" dirty="0" smtClean="0"/>
+              <a:t> </a:t>
+            </a:r>
+            <a:r>
+              <a:rPr lang="en-US" sz="2200" dirty="0" smtClean="0"/>
+              <a:t>the data of an RDF database.</a:t>
+            </a:r>
+          </a:p>
+          <a:p>
+            <a:r>
+              <a:rPr lang="en-US" sz="2200" dirty="0" smtClean="0"/>
               <a:t>It provides an easy and interactive way to browse over entities of a RDF DB, by showing the entities that are semantically similar to a corresponding entity, while it is able to show information about this entity (Wikipedia page, </a:t>
             </a:r>
             <a:r>
-              <a:rPr lang="en-US" sz="2400" dirty="0" err="1" smtClean="0"/>
+              <a:rPr lang="en-US" sz="2200" dirty="0" err="1" smtClean="0"/>
               <a:t>dbpedia</a:t>
             </a:r>
             <a:r>
-              <a:rPr lang="en-US" sz="2400" dirty="0" smtClean="0"/>
+              <a:rPr lang="en-US" sz="2200" dirty="0" smtClean="0"/>
               <a:t> page or raw triples).</a:t>
             </a:r>
           </a:p>
           <a:p>
             <a:r>
-              <a:rPr lang="en-US" sz="2400" dirty="0" smtClean="0"/>
+              <a:rPr lang="en-US" sz="2200" dirty="0" smtClean="0"/>
               <a:t>It can be configured to work on any RDF database (for this demo version, </a:t>
             </a:r>
             <a:r>
-              <a:rPr lang="en-US" sz="2400" dirty="0" err="1" smtClean="0"/>
+              <a:rPr lang="en-US" sz="2200" dirty="0" err="1" smtClean="0"/>
               <a:t>Dbpedia</a:t>
             </a:r>
             <a:r>
-              <a:rPr lang="en-US" sz="2400" dirty="0" smtClean="0"/>
+              <a:rPr lang="en-US" sz="2200" dirty="0" smtClean="0"/>
               <a:t> is used)</a:t>
             </a:r>
           </a:p>
           <a:p>
             <a:r>
-              <a:rPr lang="en-US" sz="2400" dirty="0" smtClean="0"/>
+              <a:rPr lang="en-US" sz="2200" dirty="0" smtClean="0"/>
               <a:t>For any given configuration, it pre-calculates the data, thus it can be run on any common machine supposing that the input dataset is provided.</a:t>
             </a:r>
           </a:p>
           <a:p>
             <a:r>
-              <a:rPr lang="en-US" sz="2400" dirty="0" smtClean="0"/>
+              <a:rPr lang="en-US" sz="2200" dirty="0" smtClean="0"/>
               <a:t>It is </a:t>
             </a:r>
             <a:r>
-              <a:rPr lang="en-US" sz="2400" dirty="0" err="1" smtClean="0"/>
+              <a:rPr lang="en-US" sz="2200" dirty="0" err="1" smtClean="0"/>
               <a:t>independed</a:t>
             </a:r>
             <a:r>
-              <a:rPr lang="en-US" sz="2400" dirty="0" smtClean="0"/>
-              <a:t> from the library that provides the methods to find the similar entities to a given one, thus it is easily refactored.</a:t>
-            </a:r>
-            <a:endParaRPr lang="el-GR" sz="2400" dirty="0" smtClean="0"/>
-          </a:p>
-          <a:p>
-            <a:r>
-              <a:rPr lang="en-US" sz="2400" dirty="0" smtClean="0">
+              <a:rPr lang="en-US" sz="2200" dirty="0" smtClean="0"/>
+              <a:t> from the library that provides the methods to find the similar entities to a given one, thus it is easily refactored</a:t>
+            </a:r>
+            <a:r>
+              <a:rPr lang="en-US" sz="2200" dirty="0" smtClean="0"/>
+              <a:t>.</a:t>
+            </a:r>
+          </a:p>
+          <a:p>
+            <a:r>
+              <a:rPr lang="en-US" sz="2200" dirty="0" smtClean="0"/>
+              <a:t>It exploits the recent trend of producing word (entity) embedding over a Knowledge graph. </a:t>
+            </a:r>
+            <a:endParaRPr lang="el-GR" sz="2200" dirty="0" smtClean="0"/>
+          </a:p>
+          <a:p>
+            <a:r>
+              <a:rPr lang="en-US" sz="2200" dirty="0" smtClean="0">
                 <a:solidFill>
                   <a:srgbClr val="FF0000"/>
                 </a:solidFill>
@@ -4069,7 +4178,7 @@
               <a:t>Important: </a:t>
             </a:r>
             <a:r>
-              <a:rPr lang="en-US" sz="2400" dirty="0" err="1" smtClean="0">
+              <a:rPr lang="en-US" sz="2200" dirty="0" err="1" smtClean="0">
                 <a:solidFill>
                   <a:srgbClr val="FF0000"/>
                 </a:solidFill>
@@ -4077,15 +4186,31 @@
               <a:t>RDFsim</a:t>
             </a:r>
             <a:r>
-              <a:rPr lang="en-US" sz="2400" dirty="0" smtClean="0">
+              <a:rPr lang="en-US" sz="2200" dirty="0" smtClean="0">
                 <a:solidFill>
                   <a:srgbClr val="FF0000"/>
                 </a:solidFill>
               </a:rPr>
-              <a:t> is not a classic search engine i.e. it does not offer browsing over web pages, </a:t>
-            </a:r>
-            <a:r>
-              <a:rPr lang="en-US" sz="2400" dirty="0" smtClean="0"/>
+              <a:t> is </a:t>
+            </a:r>
+            <a:r>
+              <a:rPr lang="en-US" sz="2200" dirty="0" smtClean="0">
+                <a:solidFill>
+                  <a:srgbClr val="FF0000"/>
+                </a:solidFill>
+              </a:rPr>
+              <a:t>NOT </a:t>
+            </a:r>
+            <a:r>
+              <a:rPr lang="en-US" sz="2200" dirty="0" smtClean="0">
+                <a:solidFill>
+                  <a:srgbClr val="FF0000"/>
+                </a:solidFill>
+              </a:rPr>
+              <a:t>a classic search engine i.e. it does not offer browsing over web pages, </a:t>
+            </a:r>
+            <a:r>
+              <a:rPr lang="en-US" sz="2200" dirty="0" smtClean="0"/>
               <a:t>it offers browsing over information/entities of the database.</a:t>
             </a:r>
           </a:p>

--- a/RDFsim/presentation/RDFsim.pptx
+++ b/RDFsim/presentation/RDFsim.pptx
@@ -5,14 +5,16 @@
     <p:sldMasterId id="2147483648" r:id="rId1"/>
   </p:sldMasterIdLst>
   <p:notesMasterIdLst>
-    <p:notesMasterId r:id="rId7"/>
+    <p:notesMasterId r:id="rId9"/>
   </p:notesMasterIdLst>
   <p:sldIdLst>
     <p:sldId id="256" r:id="rId2"/>
     <p:sldId id="263" r:id="rId3"/>
-    <p:sldId id="262" r:id="rId4"/>
-    <p:sldId id="264" r:id="rId5"/>
-    <p:sldId id="265" r:id="rId6"/>
+    <p:sldId id="266" r:id="rId4"/>
+    <p:sldId id="267" r:id="rId5"/>
+    <p:sldId id="262" r:id="rId6"/>
+    <p:sldId id="264" r:id="rId7"/>
+    <p:sldId id="265" r:id="rId8"/>
   </p:sldIdLst>
   <p:sldSz cx="12192000" cy="6858000"/>
   <p:notesSz cx="6858000" cy="9144000"/>
@@ -544,6 +546,90 @@
     <p:extLst>
       <p:ext uri="{BB962C8B-B14F-4D97-AF65-F5344CB8AC3E}">
         <p14:creationId xmlns:p14="http://schemas.microsoft.com/office/powerpoint/2010/main" val="2407311993"/>
+      </p:ext>
+    </p:extLst>
+  </p:cSld>
+  <p:clrMapOvr>
+    <a:masterClrMapping/>
+  </p:clrMapOvr>
+</p:notes>
+</file>
+
+<file path=ppt/notesSlides/notesSlide2.xml><?xml version="1.0" encoding="utf-8"?>
+<p:notes xmlns:a="http://schemas.openxmlformats.org/drawingml/2006/main" xmlns:r="http://schemas.openxmlformats.org/officeDocument/2006/relationships" xmlns:p="http://schemas.openxmlformats.org/presentationml/2006/main">
+  <p:cSld>
+    <p:spTree>
+      <p:nvGrpSpPr>
+        <p:cNvPr id="1" name=""/>
+        <p:cNvGrpSpPr/>
+        <p:nvPr/>
+      </p:nvGrpSpPr>
+      <p:grpSpPr>
+        <a:xfrm>
+          <a:off x="0" y="0"/>
+          <a:ext cx="0" cy="0"/>
+          <a:chOff x="0" y="0"/>
+          <a:chExt cx="0" cy="0"/>
+        </a:xfrm>
+      </p:grpSpPr>
+      <p:sp>
+        <p:nvSpPr>
+          <p:cNvPr id="2" name="Slide Image Placeholder 1"/>
+          <p:cNvSpPr>
+            <a:spLocks noGrp="1" noRot="1" noChangeAspect="1"/>
+          </p:cNvSpPr>
+          <p:nvPr>
+            <p:ph type="sldImg"/>
+          </p:nvPr>
+        </p:nvSpPr>
+        <p:spPr/>
+      </p:sp>
+      <p:sp>
+        <p:nvSpPr>
+          <p:cNvPr id="3" name="Notes Placeholder 2"/>
+          <p:cNvSpPr>
+            <a:spLocks noGrp="1"/>
+          </p:cNvSpPr>
+          <p:nvPr>
+            <p:ph type="body" idx="1"/>
+          </p:nvPr>
+        </p:nvSpPr>
+        <p:spPr/>
+        <p:txBody>
+          <a:bodyPr/>
+          <a:lstStyle/>
+          <a:p>
+            <a:endParaRPr lang="en-US" dirty="0"/>
+          </a:p>
+        </p:txBody>
+      </p:sp>
+      <p:sp>
+        <p:nvSpPr>
+          <p:cNvPr id="4" name="Slide Number Placeholder 3"/>
+          <p:cNvSpPr>
+            <a:spLocks noGrp="1"/>
+          </p:cNvSpPr>
+          <p:nvPr>
+            <p:ph type="sldNum" sz="quarter" idx="10"/>
+          </p:nvPr>
+        </p:nvSpPr>
+        <p:spPr/>
+        <p:txBody>
+          <a:bodyPr/>
+          <a:lstStyle/>
+          <a:p>
+            <a:fld id="{9362E13B-561A-46D6-BAB1-4819B0D970EF}" type="slidenum">
+              <a:rPr lang="en-US" smtClean="0"/>
+              <a:t>3</a:t>
+            </a:fld>
+            <a:endParaRPr lang="en-US"/>
+          </a:p>
+        </p:txBody>
+      </p:sp>
+    </p:spTree>
+    <p:extLst>
+      <p:ext uri="{BB962C8B-B14F-4D97-AF65-F5344CB8AC3E}">
+        <p14:creationId xmlns:p14="http://schemas.microsoft.com/office/powerpoint/2010/main" val="3568390321"/>
       </p:ext>
     </p:extLst>
   </p:cSld>
@@ -3772,38 +3858,8 @@
         </p:nvSpPr>
         <p:spPr>
           <a:xfrm>
-            <a:off x="838200" y="483577"/>
-            <a:ext cx="10515600" cy="659423"/>
-          </a:xfrm>
-        </p:spPr>
-        <p:txBody>
-          <a:bodyPr>
-            <a:normAutofit fontScale="90000"/>
-          </a:bodyPr>
-          <a:lstStyle/>
-          <a:p>
-            <a:r>
-              <a:rPr lang="en-US" dirty="0" smtClean="0"/>
-              <a:t>Context</a:t>
-            </a:r>
-            <a:endParaRPr lang="en-US" dirty="0"/>
-          </a:p>
-        </p:txBody>
-      </p:sp>
-      <p:sp>
-        <p:nvSpPr>
-          <p:cNvPr id="3" name="Content Placeholder 2"/>
-          <p:cNvSpPr>
-            <a:spLocks noGrp="1"/>
-          </p:cNvSpPr>
-          <p:nvPr>
-            <p:ph idx="1"/>
-          </p:nvPr>
-        </p:nvSpPr>
-        <p:spPr>
-          <a:xfrm>
-            <a:off x="838200" y="1245331"/>
-            <a:ext cx="10515600" cy="5397746"/>
+            <a:off x="838200" y="718039"/>
+            <a:ext cx="10515600" cy="829408"/>
           </a:xfrm>
         </p:spPr>
         <p:txBody>
@@ -3813,184 +3869,66 @@
           <a:lstStyle/>
           <a:p>
             <a:r>
-              <a:rPr lang="en-US" sz="2000" dirty="0" smtClean="0"/>
+              <a:rPr lang="en-US" dirty="0" smtClean="0"/>
+              <a:t>Context</a:t>
+            </a:r>
+            <a:endParaRPr lang="en-US" dirty="0"/>
+          </a:p>
+        </p:txBody>
+      </p:sp>
+      <p:sp>
+        <p:nvSpPr>
+          <p:cNvPr id="3" name="Content Placeholder 2"/>
+          <p:cNvSpPr>
+            <a:spLocks noGrp="1"/>
+          </p:cNvSpPr>
+          <p:nvPr>
+            <p:ph idx="1"/>
+          </p:nvPr>
+        </p:nvSpPr>
+        <p:spPr>
+          <a:xfrm>
+            <a:off x="838200" y="1936991"/>
+            <a:ext cx="10515600" cy="3174269"/>
+          </a:xfrm>
+        </p:spPr>
+        <p:txBody>
+          <a:bodyPr>
+            <a:normAutofit/>
+          </a:bodyPr>
+          <a:lstStyle/>
+          <a:p>
+            <a:r>
+              <a:rPr lang="en-US" dirty="0" smtClean="0"/>
               <a:t>Browsing is one of the most important actions of the web.</a:t>
             </a:r>
           </a:p>
           <a:p>
             <a:r>
-              <a:rPr lang="en-US" sz="2000" dirty="0" smtClean="0"/>
-              <a:t>RDF Databases/Knowledge graph containing lots of useful information (As RDF format is really good at expressing information).</a:t>
-            </a:r>
-          </a:p>
-          <a:p>
-            <a:r>
-              <a:rPr lang="en-US" sz="2000" dirty="0" smtClean="0"/>
-              <a:t>Are there user friendly/easy ways to browse the data of an RDF database?</a:t>
-            </a:r>
-          </a:p>
-          <a:p>
-            <a:r>
-              <a:rPr lang="en-US" sz="2000" dirty="0" smtClean="0"/>
-              <a:t>Simple users are unfamiliar with the Semantic Web concepts.</a:t>
-            </a:r>
-          </a:p>
-          <a:p>
-            <a:r>
-              <a:rPr lang="en-US" sz="2000" dirty="0" smtClean="0"/>
-              <a:t>Should we explore different ways to retrieve information, considering classic I.R. (information retrieval) methods?</a:t>
-            </a:r>
-          </a:p>
-          <a:p>
-            <a:r>
-              <a:rPr lang="en-US" sz="2000" dirty="0" smtClean="0">
-                <a:solidFill>
-                  <a:srgbClr val="FF0000"/>
-                </a:solidFill>
-              </a:rPr>
-              <a:t>Background:</a:t>
-            </a:r>
-          </a:p>
-          <a:p>
-            <a:pPr lvl="1"/>
-            <a:r>
-              <a:rPr lang="en-US" sz="1800" dirty="0" smtClean="0">
-                <a:solidFill>
-                  <a:srgbClr val="FF0000"/>
-                </a:solidFill>
-              </a:rPr>
-              <a:t>Knowledge </a:t>
-            </a:r>
-            <a:r>
-              <a:rPr lang="en-US" sz="1800" dirty="0" smtClean="0">
-                <a:solidFill>
-                  <a:srgbClr val="FF0000"/>
-                </a:solidFill>
-              </a:rPr>
-              <a:t>Graph</a:t>
-            </a:r>
-            <a:r>
-              <a:rPr lang="en-US" sz="1800" dirty="0" smtClean="0">
-                <a:solidFill>
-                  <a:srgbClr val="FF0000"/>
-                </a:solidFill>
-              </a:rPr>
-              <a:t>: </a:t>
-            </a:r>
-            <a:r>
-              <a:rPr lang="en-US" sz="1800" dirty="0" smtClean="0"/>
-              <a:t>Networks that contain entities and visualize the relationships among them (e.g. Google Knowledge Graph, </a:t>
-            </a:r>
-            <a:r>
-              <a:rPr lang="en-US" sz="1800" dirty="0" err="1" smtClean="0"/>
-              <a:t>Dbpedia</a:t>
-            </a:r>
-            <a:r>
-              <a:rPr lang="en-US" sz="1800" dirty="0" smtClean="0"/>
-              <a:t> and more…)</a:t>
-            </a:r>
-            <a:endParaRPr lang="en-US" sz="1800" dirty="0" smtClean="0">
-              <a:solidFill>
-                <a:srgbClr val="FF0000"/>
-              </a:solidFill>
-            </a:endParaRPr>
-          </a:p>
-          <a:p>
-            <a:pPr lvl="1"/>
-            <a:r>
-              <a:rPr lang="en-US" sz="1800" dirty="0" smtClean="0">
-                <a:solidFill>
-                  <a:srgbClr val="FF0000"/>
-                </a:solidFill>
-              </a:rPr>
-              <a:t>RDF </a:t>
-            </a:r>
-            <a:r>
-              <a:rPr lang="en-US" sz="1800" dirty="0" smtClean="0">
-                <a:solidFill>
-                  <a:srgbClr val="FF0000"/>
-                </a:solidFill>
-              </a:rPr>
-              <a:t>Triple: </a:t>
-            </a:r>
-            <a:r>
-              <a:rPr lang="en-US" sz="1800" dirty="0" smtClean="0"/>
-              <a:t>A set of 3 entities, representing a sentence in subject-predicate-object format</a:t>
-            </a:r>
-          </a:p>
-          <a:p>
-            <a:pPr lvl="1"/>
-            <a:r>
-              <a:rPr lang="en-US" sz="1800" dirty="0" smtClean="0">
-                <a:solidFill>
-                  <a:srgbClr val="FF0000"/>
-                </a:solidFill>
-              </a:rPr>
-              <a:t>RDF Database: </a:t>
-            </a:r>
-            <a:r>
-              <a:rPr lang="en-US" sz="1800" dirty="0" smtClean="0"/>
-              <a:t>A database storing the triples of a knowledge graph</a:t>
-            </a:r>
-            <a:endParaRPr lang="en-US" sz="1800" dirty="0" smtClean="0">
-              <a:solidFill>
-                <a:srgbClr val="FF0000"/>
-              </a:solidFill>
-            </a:endParaRPr>
-          </a:p>
-          <a:p>
-            <a:pPr lvl="1"/>
-            <a:r>
-              <a:rPr lang="en-US" sz="1800" dirty="0" smtClean="0">
-                <a:solidFill>
-                  <a:srgbClr val="FF0000"/>
-                </a:solidFill>
-              </a:rPr>
-              <a:t>Natural </a:t>
-            </a:r>
-            <a:r>
-              <a:rPr lang="en-US" sz="1800" dirty="0" smtClean="0">
-                <a:solidFill>
-                  <a:srgbClr val="FF0000"/>
-                </a:solidFill>
-              </a:rPr>
-              <a:t>Language Processing (NLP): </a:t>
-            </a:r>
-            <a:r>
-              <a:rPr lang="en-US" sz="1800" dirty="0" smtClean="0"/>
-              <a:t>The branch of AI that focuses on producing methods to make computers semantically understand the text (e.g. Speech Recognition, Sentiment analysis)</a:t>
-            </a:r>
-          </a:p>
-          <a:p>
-            <a:pPr lvl="2"/>
-            <a:r>
-              <a:rPr lang="en-US" sz="1400" dirty="0" smtClean="0">
-                <a:solidFill>
-                  <a:srgbClr val="FF0000"/>
-                </a:solidFill>
-              </a:rPr>
-              <a:t>Word Embedding: </a:t>
-            </a:r>
-            <a:r>
-              <a:rPr lang="en-US" sz="1400" dirty="0" smtClean="0"/>
-              <a:t>The task of mapping words into vector representations, with the aim of semantically similar words to be placed closer on the multidimensional space (i.e. their vectors to be similar)</a:t>
-            </a:r>
-            <a:r>
-              <a:rPr lang="en-US" sz="1400" dirty="0" smtClean="0">
-                <a:solidFill>
-                  <a:srgbClr val="FF0000"/>
-                </a:solidFill>
-              </a:rPr>
-              <a:t> </a:t>
-            </a:r>
-          </a:p>
-          <a:p>
-            <a:pPr lvl="2"/>
-            <a:endParaRPr lang="en-US" sz="1400" dirty="0" smtClean="0"/>
-          </a:p>
-          <a:p>
-            <a:pPr lvl="1"/>
-            <a:endParaRPr lang="en-US" sz="1800" dirty="0">
+              <a:rPr lang="en-US" dirty="0" smtClean="0"/>
+              <a:t>RDF Databases/Knowledge graph containing lots of useful information (As RDF format is really good at expressing information</a:t>
+            </a:r>
+            <a:r>
+              <a:rPr lang="en-US" dirty="0" smtClean="0"/>
+              <a:t>).</a:t>
+            </a:r>
+          </a:p>
+          <a:p>
+            <a:r>
+              <a:rPr lang="en-US" dirty="0"/>
+              <a:t>Simple users are unfamiliar with the Semantic Web concepts</a:t>
+            </a:r>
+            <a:r>
+              <a:rPr lang="en-US" dirty="0" smtClean="0"/>
+              <a:t>.</a:t>
+            </a:r>
+            <a:endParaRPr lang="en-US" dirty="0" smtClean="0"/>
+          </a:p>
+          <a:p>
+            <a:pPr marL="457200" lvl="1" indent="0">
+              <a:buNone/>
+            </a:pPr>
+            <a:endParaRPr lang="en-US" dirty="0">
               <a:solidFill>
                 <a:srgbClr val="FF0000"/>
               </a:solidFill>
@@ -4040,27 +3978,17 @@
         </p:nvSpPr>
         <p:spPr>
           <a:xfrm>
-            <a:off x="838200" y="365126"/>
-            <a:ext cx="10515600" cy="681160"/>
+            <a:off x="517769" y="281232"/>
+            <a:ext cx="10515600" cy="1325563"/>
           </a:xfrm>
         </p:spPr>
         <p:txBody>
-          <a:bodyPr>
-            <a:normAutofit fontScale="90000"/>
-          </a:bodyPr>
+          <a:bodyPr/>
           <a:lstStyle/>
           <a:p>
             <a:r>
               <a:rPr lang="en-US" dirty="0" smtClean="0"/>
-              <a:t>What is </a:t>
-            </a:r>
-            <a:r>
-              <a:rPr lang="en-US" dirty="0" err="1" smtClean="0"/>
-              <a:t>RDFsim</a:t>
-            </a:r>
-            <a:r>
-              <a:rPr lang="en-US" dirty="0" smtClean="0"/>
-              <a:t> (and why it is useful)?</a:t>
+              <a:t>Background</a:t>
             </a:r>
             <a:endParaRPr lang="en-US" dirty="0"/>
           </a:p>
@@ -4078,148 +4006,207 @@
         </p:nvSpPr>
         <p:spPr>
           <a:xfrm>
-            <a:off x="838200" y="1046285"/>
-            <a:ext cx="10515600" cy="5539153"/>
+            <a:off x="289169" y="1606795"/>
+            <a:ext cx="11613662" cy="4629882"/>
           </a:xfrm>
         </p:spPr>
         <p:txBody>
           <a:bodyPr>
-            <a:normAutofit/>
+            <a:noAutofit/>
           </a:bodyPr>
           <a:lstStyle/>
           <a:p>
-            <a:r>
-              <a:rPr lang="en-US" sz="2200" dirty="0" err="1" smtClean="0"/>
-              <a:t>RDFsim</a:t>
-            </a:r>
-            <a:r>
-              <a:rPr lang="en-US" sz="2200" dirty="0" smtClean="0"/>
-              <a:t> is a web application designed to provide a UI for browsing </a:t>
-            </a:r>
-            <a:r>
-              <a:rPr lang="en-US" sz="2200" dirty="0" smtClean="0"/>
-              <a:t>over</a:t>
-            </a:r>
-            <a:r>
-              <a:rPr lang="en-US" sz="2200" dirty="0" smtClean="0"/>
-              <a:t> </a:t>
-            </a:r>
-            <a:r>
-              <a:rPr lang="en-US" sz="2200" dirty="0" smtClean="0"/>
-              <a:t>the data of an RDF database.</a:t>
-            </a:r>
-          </a:p>
-          <a:p>
-            <a:r>
-              <a:rPr lang="en-US" sz="2200" dirty="0" smtClean="0"/>
-              <a:t>It provides an easy and interactive way to browse over entities of a RDF DB, by showing the entities that are semantically similar to a corresponding entity, while it is able to show information about this entity (Wikipedia page, </a:t>
-            </a:r>
-            <a:r>
-              <a:rPr lang="en-US" sz="2200" dirty="0" err="1" smtClean="0"/>
-              <a:t>dbpedia</a:t>
-            </a:r>
-            <a:r>
-              <a:rPr lang="en-US" sz="2200" dirty="0" smtClean="0"/>
-              <a:t> page or raw triples).</a:t>
-            </a:r>
-          </a:p>
-          <a:p>
-            <a:r>
-              <a:rPr lang="en-US" sz="2200" dirty="0" smtClean="0"/>
-              <a:t>It can be configured to work on any RDF database (for this demo version, </a:t>
-            </a:r>
-            <a:r>
-              <a:rPr lang="en-US" sz="2200" dirty="0" err="1" smtClean="0"/>
-              <a:t>Dbpedia</a:t>
-            </a:r>
-            <a:r>
-              <a:rPr lang="en-US" sz="2200" dirty="0" smtClean="0"/>
-              <a:t> is used)</a:t>
-            </a:r>
-          </a:p>
-          <a:p>
-            <a:r>
-              <a:rPr lang="en-US" sz="2200" dirty="0" smtClean="0"/>
-              <a:t>For any given configuration, it pre-calculates the data, thus it can be run on any common machine supposing that the input dataset is provided.</a:t>
-            </a:r>
-          </a:p>
-          <a:p>
-            <a:r>
-              <a:rPr lang="en-US" sz="2200" dirty="0" smtClean="0"/>
-              <a:t>It is </a:t>
-            </a:r>
-            <a:r>
-              <a:rPr lang="en-US" sz="2200" dirty="0" err="1" smtClean="0"/>
-              <a:t>independed</a:t>
-            </a:r>
-            <a:r>
-              <a:rPr lang="en-US" sz="2200" dirty="0" smtClean="0"/>
-              <a:t> from the library that provides the methods to find the similar entities to a given one, thus it is easily refactored</a:t>
-            </a:r>
-            <a:r>
-              <a:rPr lang="en-US" sz="2200" dirty="0" smtClean="0"/>
-              <a:t>.</a:t>
-            </a:r>
-          </a:p>
-          <a:p>
-            <a:r>
-              <a:rPr lang="en-US" sz="2200" dirty="0" smtClean="0"/>
-              <a:t>It exploits the recent trend of producing word (entity) embedding over a Knowledge graph. </a:t>
-            </a:r>
-            <a:endParaRPr lang="el-GR" sz="2200" dirty="0" smtClean="0"/>
-          </a:p>
-          <a:p>
-            <a:r>
-              <a:rPr lang="en-US" sz="2200" dirty="0" smtClean="0">
+            <a:pPr marL="457200" lvl="1" indent="0">
+              <a:buNone/>
+            </a:pPr>
+            <a:r>
+              <a:rPr lang="en-US" dirty="0" smtClean="0">
                 <a:solidFill>
                   <a:srgbClr val="FF0000"/>
                 </a:solidFill>
               </a:rPr>
-              <a:t>Important: </a:t>
-            </a:r>
-            <a:r>
-              <a:rPr lang="en-US" sz="2200" dirty="0" err="1" smtClean="0">
+              <a:t>Knowledge Graph: </a:t>
+            </a:r>
+            <a:r>
+              <a:rPr lang="en-US" dirty="0" smtClean="0"/>
+              <a:t>Networks that contain entities and visualize the relationships among them (e.g. Google Knowledge Graph, </a:t>
+            </a:r>
+            <a:r>
+              <a:rPr lang="en-US" dirty="0" err="1" smtClean="0"/>
+              <a:t>Dbpedia</a:t>
+            </a:r>
+            <a:r>
+              <a:rPr lang="en-US" dirty="0" smtClean="0"/>
+              <a:t> and more…)</a:t>
+            </a:r>
+            <a:endParaRPr lang="en-US" dirty="0" smtClean="0">
+              <a:solidFill>
+                <a:srgbClr val="FF0000"/>
+              </a:solidFill>
+            </a:endParaRPr>
+          </a:p>
+          <a:p>
+            <a:pPr marL="457200" lvl="1" indent="0">
+              <a:buNone/>
+            </a:pPr>
+            <a:r>
+              <a:rPr lang="en-US" dirty="0" smtClean="0">
                 <a:solidFill>
                   <a:srgbClr val="FF0000"/>
                 </a:solidFill>
               </a:rPr>
-              <a:t>RDFsim</a:t>
-            </a:r>
-            <a:r>
-              <a:rPr lang="en-US" sz="2200" dirty="0" smtClean="0">
+              <a:t>RDF </a:t>
+            </a:r>
+            <a:r>
+              <a:rPr lang="en-US" dirty="0">
                 <a:solidFill>
                   <a:srgbClr val="FF0000"/>
                 </a:solidFill>
               </a:rPr>
-              <a:t> is </a:t>
-            </a:r>
-            <a:r>
-              <a:rPr lang="en-US" sz="2200" dirty="0" smtClean="0">
+              <a:t>Triple: </a:t>
+            </a:r>
+            <a:r>
+              <a:rPr lang="en-US" dirty="0"/>
+              <a:t>A set of 3 entities, representing a sentence in subject-predicate-object </a:t>
+            </a:r>
+            <a:r>
+              <a:rPr lang="en-US" dirty="0" smtClean="0"/>
+              <a:t>format.</a:t>
+            </a:r>
+            <a:endParaRPr lang="en-US" dirty="0" smtClean="0">
+              <a:solidFill>
+                <a:srgbClr val="FF0000"/>
+              </a:solidFill>
+            </a:endParaRPr>
+          </a:p>
+          <a:p>
+            <a:pPr marL="457200" lvl="1" indent="0">
+              <a:buNone/>
+            </a:pPr>
+            <a:r>
+              <a:rPr lang="en-US" dirty="0" smtClean="0">
                 <a:solidFill>
                   <a:srgbClr val="FF0000"/>
                 </a:solidFill>
               </a:rPr>
-              <a:t>NOT </a:t>
-            </a:r>
-            <a:r>
-              <a:rPr lang="en-US" sz="2200" dirty="0" smtClean="0">
+              <a:t>RDF </a:t>
+            </a:r>
+            <a:r>
+              <a:rPr lang="en-US" dirty="0">
                 <a:solidFill>
                   <a:srgbClr val="FF0000"/>
                 </a:solidFill>
               </a:rPr>
-              <a:t>a classic search engine i.e. it does not offer browsing over web pages, </a:t>
-            </a:r>
-            <a:r>
-              <a:rPr lang="en-US" sz="2200" dirty="0" smtClean="0"/>
-              <a:t>it offers browsing over information/entities of the database.</a:t>
-            </a:r>
+              <a:t>Database: </a:t>
+            </a:r>
+            <a:r>
+              <a:rPr lang="en-US" dirty="0"/>
+              <a:t>A database storing the triples of a knowledge </a:t>
+            </a:r>
+            <a:r>
+              <a:rPr lang="en-US" dirty="0" smtClean="0"/>
+              <a:t>graph</a:t>
+            </a:r>
+          </a:p>
+          <a:p>
+            <a:pPr marL="457200" lvl="1" indent="0">
+              <a:buNone/>
+            </a:pPr>
+            <a:r>
+              <a:rPr lang="en-US" dirty="0" smtClean="0">
+                <a:solidFill>
+                  <a:srgbClr val="FF0000"/>
+                </a:solidFill>
+              </a:rPr>
+              <a:t>Similarity-Based Browsing (SBB): </a:t>
+            </a:r>
+            <a:r>
+              <a:rPr lang="en-US" dirty="0" smtClean="0"/>
+              <a:t>A method to browse data by exploring the similar entities to a given one.</a:t>
+            </a:r>
+            <a:endParaRPr lang="en-US" dirty="0" smtClean="0">
+              <a:solidFill>
+                <a:srgbClr val="FF0000"/>
+              </a:solidFill>
+            </a:endParaRPr>
+          </a:p>
+          <a:p>
+            <a:pPr marL="457200" lvl="1" indent="0">
+              <a:buNone/>
+            </a:pPr>
+            <a:r>
+              <a:rPr lang="en-US" dirty="0" smtClean="0">
+                <a:solidFill>
+                  <a:srgbClr val="FF0000"/>
+                </a:solidFill>
+              </a:rPr>
+              <a:t>Natural </a:t>
+            </a:r>
+            <a:r>
+              <a:rPr lang="en-US" dirty="0">
+                <a:solidFill>
+                  <a:srgbClr val="FF0000"/>
+                </a:solidFill>
+              </a:rPr>
+              <a:t>Language Processing (NLP): </a:t>
+            </a:r>
+            <a:r>
+              <a:rPr lang="en-US" dirty="0"/>
+              <a:t>The branch of AI that focuses on producing methods to make computers semantically understand the text (e.g. Speech Recognition, Sentiment </a:t>
+            </a:r>
+            <a:r>
+              <a:rPr lang="en-US" dirty="0" smtClean="0"/>
+              <a:t>analysis</a:t>
+            </a:r>
+            <a:r>
+              <a:rPr lang="el-GR" dirty="0" smtClean="0"/>
+              <a:t>, </a:t>
+            </a:r>
+            <a:r>
+              <a:rPr lang="en-US" dirty="0" smtClean="0"/>
+              <a:t>Spam identification).</a:t>
+            </a:r>
+            <a:endParaRPr lang="en-US" dirty="0"/>
+          </a:p>
+          <a:p>
+            <a:pPr lvl="2"/>
+            <a:r>
+              <a:rPr lang="en-US" sz="1800" dirty="0">
+                <a:solidFill>
+                  <a:srgbClr val="FF0000"/>
+                </a:solidFill>
+              </a:rPr>
+              <a:t>Word Embedding: </a:t>
+            </a:r>
+            <a:r>
+              <a:rPr lang="en-US" sz="1800" dirty="0"/>
+              <a:t>The task of mapping words into vector representations, with the aim of semantically similar words to be placed closer on the multidimensional space (i.e. their vectors to be similar)</a:t>
+            </a:r>
+            <a:r>
+              <a:rPr lang="en-US" sz="1800" dirty="0">
+                <a:solidFill>
+                  <a:srgbClr val="FF0000"/>
+                </a:solidFill>
+              </a:rPr>
+              <a:t> </a:t>
+            </a:r>
+          </a:p>
+          <a:p>
+            <a:pPr lvl="2"/>
+            <a:endParaRPr lang="en-US" sz="1800" dirty="0"/>
+          </a:p>
+          <a:p>
+            <a:pPr marL="0" indent="0">
+              <a:buNone/>
+            </a:pPr>
+            <a:endParaRPr lang="en-US" sz="3600" dirty="0"/>
           </a:p>
         </p:txBody>
       </p:sp>
     </p:spTree>
     <p:extLst>
       <p:ext uri="{BB962C8B-B14F-4D97-AF65-F5344CB8AC3E}">
-        <p14:creationId xmlns:p14="http://schemas.microsoft.com/office/powerpoint/2010/main" val="2343729155"/>
+        <p14:creationId xmlns:p14="http://schemas.microsoft.com/office/powerpoint/2010/main" val="12316459"/>
       </p:ext>
     </p:extLst>
   </p:cSld>
@@ -4258,6 +4245,319 @@
         </p:nvSpPr>
         <p:spPr>
           <a:xfrm>
+            <a:off x="838200" y="372941"/>
+            <a:ext cx="10515600" cy="1325563"/>
+          </a:xfrm>
+        </p:spPr>
+        <p:txBody>
+          <a:bodyPr/>
+          <a:lstStyle/>
+          <a:p>
+            <a:r>
+              <a:rPr lang="en-US" dirty="0" smtClean="0"/>
+              <a:t>Motivation</a:t>
+            </a:r>
+            <a:endParaRPr lang="en-US" dirty="0"/>
+          </a:p>
+        </p:txBody>
+      </p:sp>
+      <p:sp>
+        <p:nvSpPr>
+          <p:cNvPr id="3" name="Content Placeholder 2"/>
+          <p:cNvSpPr>
+            <a:spLocks noGrp="1"/>
+          </p:cNvSpPr>
+          <p:nvPr>
+            <p:ph idx="1"/>
+          </p:nvPr>
+        </p:nvSpPr>
+        <p:spPr>
+          <a:xfrm>
+            <a:off x="838200" y="1825625"/>
+            <a:ext cx="10515600" cy="4426683"/>
+          </a:xfrm>
+        </p:spPr>
+        <p:txBody>
+          <a:bodyPr>
+            <a:normAutofit/>
+          </a:bodyPr>
+          <a:lstStyle/>
+          <a:p>
+            <a:r>
+              <a:rPr lang="en-US" dirty="0"/>
+              <a:t>Are there user friendly/easy ways to browse the data of an RDF database</a:t>
+            </a:r>
+            <a:r>
+              <a:rPr lang="en-US" dirty="0" smtClean="0"/>
+              <a:t>?</a:t>
+            </a:r>
+            <a:endParaRPr lang="en-US" dirty="0"/>
+          </a:p>
+          <a:p>
+            <a:r>
+              <a:rPr lang="en-US" dirty="0"/>
+              <a:t>Should we explore different ways to retrieve information, considering classic I.R. (information retrieval) methods</a:t>
+            </a:r>
+            <a:r>
+              <a:rPr lang="en-US" dirty="0" smtClean="0"/>
+              <a:t>?</a:t>
+            </a:r>
+          </a:p>
+          <a:p>
+            <a:r>
+              <a:rPr lang="en-US" dirty="0" smtClean="0"/>
+              <a:t>Can we develop software to easily work on any RDF database</a:t>
+            </a:r>
+            <a:r>
+              <a:rPr lang="el-GR" dirty="0" smtClean="0"/>
+              <a:t>, </a:t>
+            </a:r>
+            <a:r>
+              <a:rPr lang="en-US" dirty="0" smtClean="0"/>
+              <a:t>in order to make similarity-based browsing easily applicable to any DB?</a:t>
+            </a:r>
+          </a:p>
+          <a:p>
+            <a:r>
+              <a:rPr lang="en-US" dirty="0" smtClean="0"/>
+              <a:t>What is the best method to implement and use SBB? Is it applicable? What resources do we need?</a:t>
+            </a:r>
+            <a:endParaRPr lang="en-US" dirty="0"/>
+          </a:p>
+        </p:txBody>
+      </p:sp>
+    </p:spTree>
+    <p:extLst>
+      <p:ext uri="{BB962C8B-B14F-4D97-AF65-F5344CB8AC3E}">
+        <p14:creationId xmlns:p14="http://schemas.microsoft.com/office/powerpoint/2010/main" val="2998141869"/>
+      </p:ext>
+    </p:extLst>
+  </p:cSld>
+  <p:clrMapOvr>
+    <a:masterClrMapping/>
+  </p:clrMapOvr>
+</p:sld>
+</file>
+
+<file path=ppt/slides/slide5.xml><?xml version="1.0" encoding="utf-8"?>
+<p:sld xmlns:a="http://schemas.openxmlformats.org/drawingml/2006/main" xmlns:r="http://schemas.openxmlformats.org/officeDocument/2006/relationships" xmlns:p="http://schemas.openxmlformats.org/presentationml/2006/main">
+  <p:cSld>
+    <p:spTree>
+      <p:nvGrpSpPr>
+        <p:cNvPr id="1" name=""/>
+        <p:cNvGrpSpPr/>
+        <p:nvPr/>
+      </p:nvGrpSpPr>
+      <p:grpSpPr>
+        <a:xfrm>
+          <a:off x="0" y="0"/>
+          <a:ext cx="0" cy="0"/>
+          <a:chOff x="0" y="0"/>
+          <a:chExt cx="0" cy="0"/>
+        </a:xfrm>
+      </p:grpSpPr>
+      <p:sp>
+        <p:nvSpPr>
+          <p:cNvPr id="2" name="Title 1"/>
+          <p:cNvSpPr>
+            <a:spLocks noGrp="1"/>
+          </p:cNvSpPr>
+          <p:nvPr>
+            <p:ph type="title"/>
+          </p:nvPr>
+        </p:nvSpPr>
+        <p:spPr>
+          <a:xfrm>
+            <a:off x="838200" y="365126"/>
+            <a:ext cx="10515600" cy="681160"/>
+          </a:xfrm>
+        </p:spPr>
+        <p:txBody>
+          <a:bodyPr>
+            <a:normAutofit fontScale="90000"/>
+          </a:bodyPr>
+          <a:lstStyle/>
+          <a:p>
+            <a:r>
+              <a:rPr lang="en-US" dirty="0" smtClean="0"/>
+              <a:t>What is </a:t>
+            </a:r>
+            <a:r>
+              <a:rPr lang="en-US" dirty="0" err="1" smtClean="0"/>
+              <a:t>RDFsim</a:t>
+            </a:r>
+            <a:r>
+              <a:rPr lang="en-US" dirty="0" smtClean="0"/>
+              <a:t> (and why it is useful)?</a:t>
+            </a:r>
+            <a:endParaRPr lang="en-US" dirty="0"/>
+          </a:p>
+        </p:txBody>
+      </p:sp>
+      <p:sp>
+        <p:nvSpPr>
+          <p:cNvPr id="3" name="Content Placeholder 2"/>
+          <p:cNvSpPr>
+            <a:spLocks noGrp="1"/>
+          </p:cNvSpPr>
+          <p:nvPr>
+            <p:ph idx="1"/>
+          </p:nvPr>
+        </p:nvSpPr>
+        <p:spPr>
+          <a:xfrm>
+            <a:off x="838200" y="1046285"/>
+            <a:ext cx="10515600" cy="5539153"/>
+          </a:xfrm>
+        </p:spPr>
+        <p:txBody>
+          <a:bodyPr>
+            <a:normAutofit/>
+          </a:bodyPr>
+          <a:lstStyle/>
+          <a:p>
+            <a:r>
+              <a:rPr lang="en-US" sz="2200" dirty="0" err="1" smtClean="0"/>
+              <a:t>RDFsim</a:t>
+            </a:r>
+            <a:r>
+              <a:rPr lang="en-US" sz="2200" dirty="0" smtClean="0"/>
+              <a:t> is a web application designed to provide a UI for browsing over the data of an RDF database.</a:t>
+            </a:r>
+          </a:p>
+          <a:p>
+            <a:r>
+              <a:rPr lang="en-US" sz="2200" dirty="0" smtClean="0"/>
+              <a:t>It provides an easy and interactive way to browse over entities of a RDF DB, by showing the entities that are semantically similar to a corresponding entity, while it is able to show information about this entity (Wikipedia page, </a:t>
+            </a:r>
+            <a:r>
+              <a:rPr lang="en-US" sz="2200" dirty="0" err="1" smtClean="0"/>
+              <a:t>dbpedia</a:t>
+            </a:r>
+            <a:r>
+              <a:rPr lang="en-US" sz="2200" dirty="0" smtClean="0"/>
+              <a:t> page or raw triples).</a:t>
+            </a:r>
+          </a:p>
+          <a:p>
+            <a:r>
+              <a:rPr lang="en-US" sz="2200" dirty="0" smtClean="0"/>
+              <a:t>It can be configured to work on any RDF database (for this demo version, </a:t>
+            </a:r>
+            <a:r>
+              <a:rPr lang="en-US" sz="2200" dirty="0" err="1" smtClean="0"/>
+              <a:t>Dbpedia</a:t>
+            </a:r>
+            <a:r>
+              <a:rPr lang="en-US" sz="2200" dirty="0" smtClean="0"/>
+              <a:t> is used)</a:t>
+            </a:r>
+          </a:p>
+          <a:p>
+            <a:r>
+              <a:rPr lang="en-US" sz="2200" dirty="0" smtClean="0"/>
+              <a:t>For any given configuration, it pre-calculates the data, thus it can be run on any common machine supposing that the input dataset is provided.</a:t>
+            </a:r>
+          </a:p>
+          <a:p>
+            <a:r>
+              <a:rPr lang="en-US" sz="2200" dirty="0" smtClean="0"/>
+              <a:t>It is </a:t>
+            </a:r>
+            <a:r>
+              <a:rPr lang="en-US" sz="2200" dirty="0" err="1" smtClean="0"/>
+              <a:t>independed</a:t>
+            </a:r>
+            <a:r>
+              <a:rPr lang="en-US" sz="2200" dirty="0" smtClean="0"/>
+              <a:t> </a:t>
+            </a:r>
+            <a:r>
+              <a:rPr lang="en-US" sz="2200" dirty="0" smtClean="0"/>
+              <a:t>from the library that provides the methods to find the similar entities to a given one, thus it is easily refactored.</a:t>
+            </a:r>
+          </a:p>
+          <a:p>
+            <a:r>
+              <a:rPr lang="en-US" sz="2200" dirty="0" smtClean="0"/>
+              <a:t>It exploits the recent trend of producing word (entity) embedding over a Knowledge graph. </a:t>
+            </a:r>
+            <a:endParaRPr lang="el-GR" sz="2200" dirty="0" smtClean="0"/>
+          </a:p>
+          <a:p>
+            <a:r>
+              <a:rPr lang="en-US" sz="2200" dirty="0" smtClean="0">
+                <a:solidFill>
+                  <a:srgbClr val="FF0000"/>
+                </a:solidFill>
+              </a:rPr>
+              <a:t>Important: </a:t>
+            </a:r>
+            <a:r>
+              <a:rPr lang="en-US" sz="2200" dirty="0" err="1" smtClean="0">
+                <a:solidFill>
+                  <a:srgbClr val="FF0000"/>
+                </a:solidFill>
+              </a:rPr>
+              <a:t>RDFsim</a:t>
+            </a:r>
+            <a:r>
+              <a:rPr lang="en-US" sz="2200" dirty="0" smtClean="0">
+                <a:solidFill>
+                  <a:srgbClr val="FF0000"/>
+                </a:solidFill>
+              </a:rPr>
+              <a:t> is NOT a classic search engine i.e. it does not offer browsing over web pages, </a:t>
+            </a:r>
+            <a:r>
+              <a:rPr lang="en-US" sz="2200" dirty="0" smtClean="0"/>
+              <a:t>it offers browsing over information/entities of the database.</a:t>
+            </a:r>
+          </a:p>
+        </p:txBody>
+      </p:sp>
+    </p:spTree>
+    <p:extLst>
+      <p:ext uri="{BB962C8B-B14F-4D97-AF65-F5344CB8AC3E}">
+        <p14:creationId xmlns:p14="http://schemas.microsoft.com/office/powerpoint/2010/main" val="2343729155"/>
+      </p:ext>
+    </p:extLst>
+  </p:cSld>
+  <p:clrMapOvr>
+    <a:masterClrMapping/>
+  </p:clrMapOvr>
+</p:sld>
+</file>
+
+<file path=ppt/slides/slide6.xml><?xml version="1.0" encoding="utf-8"?>
+<p:sld xmlns:a="http://schemas.openxmlformats.org/drawingml/2006/main" xmlns:r="http://schemas.openxmlformats.org/officeDocument/2006/relationships" xmlns:p="http://schemas.openxmlformats.org/presentationml/2006/main">
+  <p:cSld>
+    <p:spTree>
+      <p:nvGrpSpPr>
+        <p:cNvPr id="1" name=""/>
+        <p:cNvGrpSpPr/>
+        <p:nvPr/>
+      </p:nvGrpSpPr>
+      <p:grpSpPr>
+        <a:xfrm>
+          <a:off x="0" y="0"/>
+          <a:ext cx="0" cy="0"/>
+          <a:chOff x="0" y="0"/>
+          <a:chExt cx="0" cy="0"/>
+        </a:xfrm>
+      </p:grpSpPr>
+      <p:sp>
+        <p:nvSpPr>
+          <p:cNvPr id="2" name="Title 1"/>
+          <p:cNvSpPr>
+            <a:spLocks noGrp="1"/>
+          </p:cNvSpPr>
+          <p:nvPr>
+            <p:ph type="title"/>
+          </p:nvPr>
+        </p:nvSpPr>
+        <p:spPr>
+          <a:xfrm>
             <a:off x="838200" y="105508"/>
             <a:ext cx="10515600" cy="817685"/>
           </a:xfrm>
@@ -4340,7 +4640,15 @@
           <a:p>
             <a:r>
               <a:rPr lang="en-US" sz="2400" dirty="0" smtClean="0"/>
-              <a:t>As these libraries exploit pre-trained neural networks, we suppose that based on the context of the input file, entities that are semantically similar will be mapped to closer vectors in out vector space. </a:t>
+              <a:t>As these libraries exploit </a:t>
+            </a:r>
+            <a:r>
+              <a:rPr lang="en-US" sz="2400" dirty="0" smtClean="0"/>
+              <a:t>pre-trained (or fine-tuned) </a:t>
+            </a:r>
+            <a:r>
+              <a:rPr lang="en-US" sz="2400" dirty="0" smtClean="0"/>
+              <a:t>neural networks, we suppose that based on the context of the input file, entities that are semantically similar will be mapped to closer vectors in out vector space. </a:t>
             </a:r>
             <a:r>
               <a:rPr lang="en-US" sz="2400" dirty="0" err="1" smtClean="0"/>
@@ -4383,7 +4691,7 @@
 </p:sld>
 </file>
 
-<file path=ppt/slides/slide5.xml><?xml version="1.0" encoding="utf-8"?>
+<file path=ppt/slides/slide7.xml><?xml version="1.0" encoding="utf-8"?>
 <p:sld xmlns:a="http://schemas.openxmlformats.org/drawingml/2006/main" xmlns:r="http://schemas.openxmlformats.org/officeDocument/2006/relationships" xmlns:p="http://schemas.openxmlformats.org/presentationml/2006/main">
   <p:cSld>
     <p:spTree>
